--- a/DDS_Vivado/4.3基于Quartus II的正弦波信号发生器设计75.pptx
+++ b/DDS_Vivado/4.3基于Quartus II的正弦波信号发生器设计75.pptx
@@ -3,34 +3,34 @@
 <p:presentation xmlns:a="http://schemas.openxmlformats.org/drawingml/2006/main" xmlns:r="http://schemas.openxmlformats.org/officeDocument/2006/relationships" xmlns:p="http://schemas.openxmlformats.org/presentationml/2006/main">
   <p:sldMasterIdLst>
     <p:sldMasterId id="2147483648" r:id="rId1"/>
-    <p:sldMasterId id="2147483660" r:id="rId3"/>
+    <p:sldMasterId id="2147483660" r:id="rId2"/>
   </p:sldMasterIdLst>
   <p:notesMasterIdLst>
-    <p:notesMasterId r:id="rId5"/>
+    <p:notesMasterId r:id="rId20"/>
   </p:notesMasterIdLst>
   <p:handoutMasterIdLst>
-    <p:handoutMasterId r:id="rId22"/>
+    <p:handoutMasterId r:id="rId21"/>
   </p:handoutMasterIdLst>
   <p:sldIdLst>
-    <p:sldId id="297" r:id="rId4"/>
-    <p:sldId id="313" r:id="rId6"/>
-    <p:sldId id="314" r:id="rId7"/>
-    <p:sldId id="318" r:id="rId8"/>
-    <p:sldId id="319" r:id="rId9"/>
-    <p:sldId id="320" r:id="rId10"/>
-    <p:sldId id="321" r:id="rId11"/>
-    <p:sldId id="322" r:id="rId12"/>
-    <p:sldId id="323" r:id="rId13"/>
-    <p:sldId id="386" r:id="rId14"/>
-    <p:sldId id="324" r:id="rId15"/>
-    <p:sldId id="331" r:id="rId16"/>
-    <p:sldId id="369" r:id="rId17"/>
-    <p:sldId id="379" r:id="rId18"/>
-    <p:sldId id="381" r:id="rId19"/>
-    <p:sldId id="382" r:id="rId20"/>
-    <p:sldId id="384" r:id="rId21"/>
+    <p:sldId id="297" r:id="rId3"/>
+    <p:sldId id="313" r:id="rId4"/>
+    <p:sldId id="314" r:id="rId5"/>
+    <p:sldId id="318" r:id="rId6"/>
+    <p:sldId id="319" r:id="rId7"/>
+    <p:sldId id="320" r:id="rId8"/>
+    <p:sldId id="321" r:id="rId9"/>
+    <p:sldId id="322" r:id="rId10"/>
+    <p:sldId id="323" r:id="rId11"/>
+    <p:sldId id="386" r:id="rId12"/>
+    <p:sldId id="324" r:id="rId13"/>
+    <p:sldId id="331" r:id="rId14"/>
+    <p:sldId id="369" r:id="rId15"/>
+    <p:sldId id="379" r:id="rId16"/>
+    <p:sldId id="381" r:id="rId17"/>
+    <p:sldId id="382" r:id="rId18"/>
+    <p:sldId id="384" r:id="rId19"/>
   </p:sldIdLst>
-  <p:sldSz cx="9144000" cy="5145405"/>
+  <p:sldSz cx="9144000" cy="5145088"/>
   <p:notesSz cx="6858000" cy="9144000"/>
   <p:defaultTextStyle>
     <a:defPPr>
@@ -253,7 +253,14 @@
         <p:cNvGrpSpPr/>
         <p:nvPr/>
       </p:nvGrpSpPr>
-      <p:grpSpPr/>
+      <p:grpSpPr>
+        <a:xfrm>
+          <a:off x="0" y="0"/>
+          <a:ext cx="0" cy="0"/>
+          <a:chOff x="0" y="0"/>
+          <a:chExt cx="0" cy="0"/>
+        </a:xfrm>
+      </p:grpSpPr>
       <p:sp>
         <p:nvSpPr>
           <p:cNvPr id="2" name="页眉占位符 1"/>
@@ -380,6 +387,7 @@
                 <a:ea typeface="宋体" pitchFamily="2" charset="-122"/>
                 <a:cs typeface="+mn-cs"/>
               </a:rPr>
+              <a:t>2025/3/5</a:t>
             </a:fld>
             <a:endParaRPr kumimoji="0" lang="zh-CN" altLang="en-US" sz="1200" b="0" i="0" u="none" strike="noStrike" kern="1200" cap="none" spc="0" normalizeH="0" baseline="0" noProof="0">
               <a:ln>
@@ -520,6 +528,7 @@
                 <a:ea typeface="宋体" pitchFamily="2" charset="-122"/>
                 <a:cs typeface="+mn-cs"/>
               </a:rPr>
+              <a:t>‹#›</a:t>
             </a:fld>
             <a:endParaRPr kumimoji="0" lang="zh-CN" altLang="en-US" sz="1200" b="0" i="0" u="none" strike="noStrike" kern="1200" cap="none" spc="0" normalizeH="0" baseline="0" noProof="0">
               <a:ln>
@@ -539,6 +548,11 @@
         </p:txBody>
       </p:sp>
     </p:spTree>
+    <p:extLst>
+      <p:ext uri="{BB962C8B-B14F-4D97-AF65-F5344CB8AC3E}">
+        <p14:creationId xmlns:p14="http://schemas.microsoft.com/office/powerpoint/2010/main" val="1"/>
+      </p:ext>
+    </p:extLst>
   </p:cSld>
   <p:clrMap bg1="lt1" tx1="dk1" bg2="lt2" tx2="dk2" accent1="accent1" accent2="accent2" accent3="accent3" accent4="accent4" accent5="accent5" accent6="accent6" hlink="hlink" folHlink="folHlink"/>
 </p:handoutMaster>
@@ -561,7 +575,14 @@
         <p:cNvGrpSpPr/>
         <p:nvPr/>
       </p:nvGrpSpPr>
-      <p:grpSpPr/>
+      <p:grpSpPr>
+        <a:xfrm>
+          <a:off x="0" y="0"/>
+          <a:ext cx="0" cy="0"/>
+          <a:chOff x="0" y="0"/>
+          <a:chExt cx="0" cy="0"/>
+        </a:xfrm>
+      </p:grpSpPr>
       <p:sp>
         <p:nvSpPr>
           <p:cNvPr id="2" name="页眉占位符 1"/>
@@ -688,6 +709,7 @@
                 <a:ea typeface="宋体" pitchFamily="2" charset="-122"/>
                 <a:cs typeface="+mn-cs"/>
               </a:rPr>
+              <a:t>2025/3/5</a:t>
             </a:fld>
             <a:endParaRPr kumimoji="0" lang="zh-CN" altLang="en-US" sz="1200" b="0" i="0" u="none" strike="noStrike" kern="1200" cap="none" spc="0" normalizeH="0" baseline="0" noProof="0">
               <a:ln>
@@ -789,13 +811,13 @@
         </p:spPr>
         <p:txBody>
           <a:bodyPr vert="horz" wrap="square" lIns="91440" tIns="45720" rIns="91440" bIns="45720" numCol="1" anchor="t" anchorCtr="0" compatLnSpc="1"/>
+          <a:lstStyle/>
           <a:p>
             <a:pPr lvl="0"/>
             <a:r>
               <a:rPr lang="zh-CN" altLang="en-US" dirty="0"/>
               <a:t>单击此处编辑母版文本样式</a:t>
             </a:r>
-            <a:endParaRPr lang="zh-CN" altLang="en-US" dirty="0"/>
           </a:p>
           <a:p>
             <a:pPr lvl="1"/>
@@ -803,7 +825,6 @@
               <a:rPr lang="zh-CN" altLang="en-US" dirty="0"/>
               <a:t>第二级</a:t>
             </a:r>
-            <a:endParaRPr lang="zh-CN" altLang="en-US" dirty="0"/>
           </a:p>
           <a:p>
             <a:pPr lvl="2"/>
@@ -811,7 +832,6 @@
               <a:rPr lang="zh-CN" altLang="en-US" dirty="0"/>
               <a:t>第三级</a:t>
             </a:r>
-            <a:endParaRPr lang="zh-CN" altLang="en-US" dirty="0"/>
           </a:p>
           <a:p>
             <a:pPr lvl="3"/>
@@ -819,7 +839,6 @@
               <a:rPr lang="zh-CN" altLang="en-US" dirty="0"/>
               <a:t>第四级</a:t>
             </a:r>
-            <a:endParaRPr lang="zh-CN" altLang="en-US" dirty="0"/>
           </a:p>
           <a:p>
             <a:pPr lvl="4"/>
@@ -827,7 +846,6 @@
               <a:rPr lang="zh-CN" altLang="en-US" dirty="0"/>
               <a:t>第五级</a:t>
             </a:r>
-            <a:endParaRPr lang="zh-CN" altLang="en-US" dirty="0"/>
           </a:p>
         </p:txBody>
       </p:sp>
@@ -953,6 +971,7 @@
                 <a:ea typeface="宋体" pitchFamily="2" charset="-122"/>
                 <a:cs typeface="+mn-cs"/>
               </a:rPr>
+              <a:t>‹#›</a:t>
             </a:fld>
             <a:endParaRPr kumimoji="0" lang="zh-CN" altLang="en-US" sz="1200" b="0" i="0" u="none" strike="noStrike" kern="1200" cap="none" spc="0" normalizeH="0" baseline="0" noProof="0">
               <a:ln>
@@ -1109,7 +1128,14 @@
         <p:cNvGrpSpPr/>
         <p:nvPr/>
       </p:nvGrpSpPr>
-      <p:grpSpPr/>
+      <p:grpSpPr>
+        <a:xfrm>
+          <a:off x="0" y="0"/>
+          <a:ext cx="0" cy="0"/>
+          <a:chOff x="0" y="0"/>
+          <a:chExt cx="0" cy="0"/>
+        </a:xfrm>
+      </p:grpSpPr>
       <p:sp>
         <p:nvSpPr>
           <p:cNvPr id="6146" name="幻灯片图像占位符 1"/>
@@ -1149,6 +1175,7 @@
         </p:spPr>
         <p:txBody>
           <a:bodyPr wrap="square" lIns="91440" tIns="45720" rIns="91440" bIns="45720" anchor="t" anchorCtr="0"/>
+          <a:lstStyle/>
           <a:p>
             <a:pPr lvl="0"/>
             <a:endParaRPr lang="zh-CN" altLang="en-US" dirty="0"/>
@@ -1180,10 +1207,12 @@
         </p:spPr>
         <p:txBody>
           <a:bodyPr anchor="b" anchorCtr="0"/>
+          <a:lstStyle/>
           <a:p>
             <a:pPr lvl="0" algn="r" eaLnBrk="1" hangingPunct="1"/>
             <a:fld id="{9A0DB2DC-4C9A-4742-B13C-FB6460FD3503}" type="slidenum">
               <a:rPr lang="zh-CN" altLang="en-US" sz="1200" dirty="0"/>
+              <a:t>1</a:t>
             </a:fld>
             <a:endParaRPr lang="zh-CN" altLang="en-US" sz="1200" dirty="0"/>
           </a:p>
@@ -1206,7 +1235,14 @@
         <p:cNvGrpSpPr/>
         <p:nvPr/>
       </p:nvGrpSpPr>
-      <p:grpSpPr/>
+      <p:grpSpPr>
+        <a:xfrm>
+          <a:off x="0" y="0"/>
+          <a:ext cx="0" cy="0"/>
+          <a:chOff x="0" y="0"/>
+          <a:chExt cx="0" cy="0"/>
+        </a:xfrm>
+      </p:grpSpPr>
       <p:sp>
         <p:nvSpPr>
           <p:cNvPr id="22530" name="幻灯片图像占位符 1"/>
@@ -1246,6 +1282,7 @@
         </p:spPr>
         <p:txBody>
           <a:bodyPr wrap="square" lIns="91440" tIns="45720" rIns="91440" bIns="45720" anchor="t" anchorCtr="0"/>
+          <a:lstStyle/>
           <a:p>
             <a:pPr lvl="0"/>
             <a:endParaRPr lang="zh-CN" altLang="en-US" dirty="0"/>
@@ -1277,10 +1314,12 @@
         </p:spPr>
         <p:txBody>
           <a:bodyPr anchor="b" anchorCtr="0"/>
+          <a:lstStyle/>
           <a:p>
             <a:pPr lvl="0" algn="r" eaLnBrk="1" hangingPunct="1"/>
             <a:fld id="{9A0DB2DC-4C9A-4742-B13C-FB6460FD3503}" type="slidenum">
               <a:rPr lang="zh-CN" altLang="en-US" sz="1200" dirty="0"/>
+              <a:t>10</a:t>
             </a:fld>
             <a:endParaRPr lang="zh-CN" altLang="en-US" sz="1200" dirty="0"/>
           </a:p>
@@ -1303,7 +1342,14 @@
         <p:cNvGrpSpPr/>
         <p:nvPr/>
       </p:nvGrpSpPr>
-      <p:grpSpPr/>
+      <p:grpSpPr>
+        <a:xfrm>
+          <a:off x="0" y="0"/>
+          <a:ext cx="0" cy="0"/>
+          <a:chOff x="0" y="0"/>
+          <a:chExt cx="0" cy="0"/>
+        </a:xfrm>
+      </p:grpSpPr>
       <p:sp>
         <p:nvSpPr>
           <p:cNvPr id="24578" name="幻灯片图像占位符 1"/>
@@ -1343,6 +1389,7 @@
         </p:spPr>
         <p:txBody>
           <a:bodyPr wrap="square" lIns="91440" tIns="45720" rIns="91440" bIns="45720" anchor="t" anchorCtr="0"/>
+          <a:lstStyle/>
           <a:p>
             <a:pPr lvl="0"/>
             <a:endParaRPr lang="zh-CN" altLang="en-US" dirty="0"/>
@@ -1374,10 +1421,12 @@
         </p:spPr>
         <p:txBody>
           <a:bodyPr anchor="b" anchorCtr="0"/>
+          <a:lstStyle/>
           <a:p>
             <a:pPr lvl="0" algn="r" eaLnBrk="1" hangingPunct="1"/>
             <a:fld id="{9A0DB2DC-4C9A-4742-B13C-FB6460FD3503}" type="slidenum">
               <a:rPr lang="zh-CN" altLang="en-US" sz="1200" dirty="0"/>
+              <a:t>11</a:t>
             </a:fld>
             <a:endParaRPr lang="zh-CN" altLang="en-US" sz="1200" dirty="0"/>
           </a:p>
@@ -1400,7 +1449,14 @@
         <p:cNvGrpSpPr/>
         <p:nvPr/>
       </p:nvGrpSpPr>
-      <p:grpSpPr/>
+      <p:grpSpPr>
+        <a:xfrm>
+          <a:off x="0" y="0"/>
+          <a:ext cx="0" cy="0"/>
+          <a:chOff x="0" y="0"/>
+          <a:chExt cx="0" cy="0"/>
+        </a:xfrm>
+      </p:grpSpPr>
       <p:sp>
         <p:nvSpPr>
           <p:cNvPr id="36866" name="幻灯片图像占位符 1"/>
@@ -1440,6 +1496,7 @@
         </p:spPr>
         <p:txBody>
           <a:bodyPr wrap="square" lIns="91440" tIns="45720" rIns="91440" bIns="45720" anchor="t" anchorCtr="0"/>
+          <a:lstStyle/>
           <a:p>
             <a:pPr lvl="0"/>
             <a:endParaRPr lang="zh-CN" altLang="en-US" dirty="0"/>
@@ -1471,10 +1528,12 @@
         </p:spPr>
         <p:txBody>
           <a:bodyPr anchor="b" anchorCtr="0"/>
+          <a:lstStyle/>
           <a:p>
             <a:pPr lvl="0" algn="r" eaLnBrk="1" hangingPunct="1"/>
             <a:fld id="{9A0DB2DC-4C9A-4742-B13C-FB6460FD3503}" type="slidenum">
               <a:rPr lang="zh-CN" altLang="en-US" sz="1200" dirty="0"/>
+              <a:t>12</a:t>
             </a:fld>
             <a:endParaRPr lang="zh-CN" altLang="en-US" sz="1200" dirty="0"/>
           </a:p>
@@ -1497,7 +1556,14 @@
         <p:cNvGrpSpPr/>
         <p:nvPr/>
       </p:nvGrpSpPr>
-      <p:grpSpPr/>
+      <p:grpSpPr>
+        <a:xfrm>
+          <a:off x="0" y="0"/>
+          <a:ext cx="0" cy="0"/>
+          <a:chOff x="0" y="0"/>
+          <a:chExt cx="0" cy="0"/>
+        </a:xfrm>
+      </p:grpSpPr>
       <p:sp>
         <p:nvSpPr>
           <p:cNvPr id="38914" name="幻灯片图像占位符 1"/>
@@ -1537,6 +1603,7 @@
         </p:spPr>
         <p:txBody>
           <a:bodyPr wrap="square" lIns="91440" tIns="45720" rIns="91440" bIns="45720" anchor="t" anchorCtr="0"/>
+          <a:lstStyle/>
           <a:p>
             <a:pPr lvl="0"/>
             <a:endParaRPr lang="zh-CN" altLang="en-US" dirty="0"/>
@@ -1568,10 +1635,12 @@
         </p:spPr>
         <p:txBody>
           <a:bodyPr anchor="b" anchorCtr="0"/>
+          <a:lstStyle/>
           <a:p>
             <a:pPr lvl="0" algn="r" eaLnBrk="1" hangingPunct="1"/>
             <a:fld id="{9A0DB2DC-4C9A-4742-B13C-FB6460FD3503}" type="slidenum">
               <a:rPr lang="zh-CN" altLang="en-US" sz="1200" dirty="0"/>
+              <a:t>13</a:t>
             </a:fld>
             <a:endParaRPr lang="zh-CN" altLang="en-US" sz="1200" dirty="0"/>
           </a:p>
@@ -1594,7 +1663,14 @@
         <p:cNvGrpSpPr/>
         <p:nvPr/>
       </p:nvGrpSpPr>
-      <p:grpSpPr/>
+      <p:grpSpPr>
+        <a:xfrm>
+          <a:off x="0" y="0"/>
+          <a:ext cx="0" cy="0"/>
+          <a:chOff x="0" y="0"/>
+          <a:chExt cx="0" cy="0"/>
+        </a:xfrm>
+      </p:grpSpPr>
       <p:sp>
         <p:nvSpPr>
           <p:cNvPr id="43010" name="幻灯片图像占位符 1"/>
@@ -1634,6 +1710,7 @@
         </p:spPr>
         <p:txBody>
           <a:bodyPr wrap="square" lIns="91440" tIns="45720" rIns="91440" bIns="45720" anchor="t" anchorCtr="0"/>
+          <a:lstStyle/>
           <a:p>
             <a:pPr lvl="0"/>
             <a:endParaRPr lang="zh-CN" altLang="en-US" dirty="0"/>
@@ -1665,10 +1742,12 @@
         </p:spPr>
         <p:txBody>
           <a:bodyPr anchor="b" anchorCtr="0"/>
+          <a:lstStyle/>
           <a:p>
             <a:pPr lvl="0" algn="r" eaLnBrk="1" hangingPunct="1"/>
             <a:fld id="{9A0DB2DC-4C9A-4742-B13C-FB6460FD3503}" type="slidenum">
               <a:rPr lang="zh-CN" altLang="en-US" sz="1200" dirty="0"/>
+              <a:t>14</a:t>
             </a:fld>
             <a:endParaRPr lang="zh-CN" altLang="en-US" sz="1200" dirty="0"/>
           </a:p>
@@ -1691,7 +1770,14 @@
         <p:cNvGrpSpPr/>
         <p:nvPr/>
       </p:nvGrpSpPr>
-      <p:grpSpPr/>
+      <p:grpSpPr>
+        <a:xfrm>
+          <a:off x="0" y="0"/>
+          <a:ext cx="0" cy="0"/>
+          <a:chOff x="0" y="0"/>
+          <a:chExt cx="0" cy="0"/>
+        </a:xfrm>
+      </p:grpSpPr>
       <p:sp>
         <p:nvSpPr>
           <p:cNvPr id="47106" name="幻灯片图像占位符 1"/>
@@ -1731,6 +1817,7 @@
         </p:spPr>
         <p:txBody>
           <a:bodyPr wrap="square" lIns="91440" tIns="45720" rIns="91440" bIns="45720" anchor="t" anchorCtr="0"/>
+          <a:lstStyle/>
           <a:p>
             <a:pPr lvl="0"/>
             <a:endParaRPr lang="zh-CN" altLang="en-US" dirty="0"/>
@@ -1762,10 +1849,12 @@
         </p:spPr>
         <p:txBody>
           <a:bodyPr anchor="b" anchorCtr="0"/>
+          <a:lstStyle/>
           <a:p>
             <a:pPr lvl="0" algn="r" eaLnBrk="1" hangingPunct="1"/>
             <a:fld id="{9A0DB2DC-4C9A-4742-B13C-FB6460FD3503}" type="slidenum">
               <a:rPr lang="zh-CN" altLang="en-US" sz="1200" dirty="0"/>
+              <a:t>15</a:t>
             </a:fld>
             <a:endParaRPr lang="zh-CN" altLang="en-US" sz="1200" dirty="0"/>
           </a:p>
@@ -1788,7 +1877,14 @@
         <p:cNvGrpSpPr/>
         <p:nvPr/>
       </p:nvGrpSpPr>
-      <p:grpSpPr/>
+      <p:grpSpPr>
+        <a:xfrm>
+          <a:off x="0" y="0"/>
+          <a:ext cx="0" cy="0"/>
+          <a:chOff x="0" y="0"/>
+          <a:chExt cx="0" cy="0"/>
+        </a:xfrm>
+      </p:grpSpPr>
       <p:sp>
         <p:nvSpPr>
           <p:cNvPr id="49154" name="幻灯片图像占位符 1"/>
@@ -1828,6 +1924,7 @@
         </p:spPr>
         <p:txBody>
           <a:bodyPr wrap="square" lIns="91440" tIns="45720" rIns="91440" bIns="45720" anchor="t" anchorCtr="0"/>
+          <a:lstStyle/>
           <a:p>
             <a:pPr lvl="0"/>
             <a:endParaRPr lang="zh-CN" altLang="en-US" dirty="0"/>
@@ -1859,10 +1956,12 @@
         </p:spPr>
         <p:txBody>
           <a:bodyPr anchor="b" anchorCtr="0"/>
+          <a:lstStyle/>
           <a:p>
             <a:pPr lvl="0" algn="r" eaLnBrk="1" hangingPunct="1"/>
             <a:fld id="{9A0DB2DC-4C9A-4742-B13C-FB6460FD3503}" type="slidenum">
               <a:rPr lang="zh-CN" altLang="en-US" sz="1200" dirty="0"/>
+              <a:t>16</a:t>
             </a:fld>
             <a:endParaRPr lang="zh-CN" altLang="en-US" sz="1200" dirty="0"/>
           </a:p>
@@ -1885,7 +1984,14 @@
         <p:cNvGrpSpPr/>
         <p:nvPr/>
       </p:nvGrpSpPr>
-      <p:grpSpPr/>
+      <p:grpSpPr>
+        <a:xfrm>
+          <a:off x="0" y="0"/>
+          <a:ext cx="0" cy="0"/>
+          <a:chOff x="0" y="0"/>
+          <a:chExt cx="0" cy="0"/>
+        </a:xfrm>
+      </p:grpSpPr>
       <p:sp>
         <p:nvSpPr>
           <p:cNvPr id="55298" name="幻灯片图像占位符 1"/>
@@ -1925,6 +2031,7 @@
         </p:spPr>
         <p:txBody>
           <a:bodyPr wrap="square" lIns="91440" tIns="45720" rIns="91440" bIns="45720" anchor="t" anchorCtr="0"/>
+          <a:lstStyle/>
           <a:p>
             <a:pPr lvl="0"/>
             <a:endParaRPr lang="zh-CN" altLang="en-US" dirty="0"/>
@@ -1956,10 +2063,12 @@
         </p:spPr>
         <p:txBody>
           <a:bodyPr anchor="b" anchorCtr="0"/>
+          <a:lstStyle/>
           <a:p>
             <a:pPr lvl="0" algn="r" eaLnBrk="1" hangingPunct="1"/>
             <a:fld id="{9A0DB2DC-4C9A-4742-B13C-FB6460FD3503}" type="slidenum">
               <a:rPr lang="zh-CN" altLang="en-US" sz="1200" dirty="0"/>
+              <a:t>17</a:t>
             </a:fld>
             <a:endParaRPr lang="zh-CN" altLang="en-US" sz="1200" dirty="0"/>
           </a:p>
@@ -1982,7 +2091,14 @@
         <p:cNvGrpSpPr/>
         <p:nvPr/>
       </p:nvGrpSpPr>
-      <p:grpSpPr/>
+      <p:grpSpPr>
+        <a:xfrm>
+          <a:off x="0" y="0"/>
+          <a:ext cx="0" cy="0"/>
+          <a:chOff x="0" y="0"/>
+          <a:chExt cx="0" cy="0"/>
+        </a:xfrm>
+      </p:grpSpPr>
       <p:sp>
         <p:nvSpPr>
           <p:cNvPr id="8194" name="幻灯片图像占位符 1"/>
@@ -2022,6 +2138,7 @@
         </p:spPr>
         <p:txBody>
           <a:bodyPr wrap="square" lIns="91440" tIns="45720" rIns="91440" bIns="45720" anchor="t" anchorCtr="0"/>
+          <a:lstStyle/>
           <a:p>
             <a:pPr lvl="0"/>
             <a:endParaRPr lang="zh-CN" altLang="en-US" dirty="0"/>
@@ -2053,10 +2170,12 @@
         </p:spPr>
         <p:txBody>
           <a:bodyPr anchor="b" anchorCtr="0"/>
+          <a:lstStyle/>
           <a:p>
             <a:pPr lvl="0" algn="r" eaLnBrk="1" hangingPunct="1"/>
             <a:fld id="{9A0DB2DC-4C9A-4742-B13C-FB6460FD3503}" type="slidenum">
               <a:rPr lang="zh-CN" altLang="en-US" sz="1200" dirty="0"/>
+              <a:t>2</a:t>
             </a:fld>
             <a:endParaRPr lang="zh-CN" altLang="en-US" sz="1200" dirty="0"/>
           </a:p>
@@ -2079,7 +2198,14 @@
         <p:cNvGrpSpPr/>
         <p:nvPr/>
       </p:nvGrpSpPr>
-      <p:grpSpPr/>
+      <p:grpSpPr>
+        <a:xfrm>
+          <a:off x="0" y="0"/>
+          <a:ext cx="0" cy="0"/>
+          <a:chOff x="0" y="0"/>
+          <a:chExt cx="0" cy="0"/>
+        </a:xfrm>
+      </p:grpSpPr>
       <p:sp>
         <p:nvSpPr>
           <p:cNvPr id="10242" name="幻灯片图像占位符 1"/>
@@ -2119,6 +2245,7 @@
         </p:spPr>
         <p:txBody>
           <a:bodyPr wrap="square" lIns="91440" tIns="45720" rIns="91440" bIns="45720" anchor="t" anchorCtr="0"/>
+          <a:lstStyle/>
           <a:p>
             <a:pPr lvl="0"/>
             <a:endParaRPr lang="zh-CN" altLang="en-US" dirty="0"/>
@@ -2150,10 +2277,12 @@
         </p:spPr>
         <p:txBody>
           <a:bodyPr anchor="b" anchorCtr="0"/>
+          <a:lstStyle/>
           <a:p>
             <a:pPr lvl="0" algn="r" eaLnBrk="1" hangingPunct="1"/>
             <a:fld id="{9A0DB2DC-4C9A-4742-B13C-FB6460FD3503}" type="slidenum">
               <a:rPr lang="zh-CN" altLang="en-US" sz="1200" dirty="0"/>
+              <a:t>3</a:t>
             </a:fld>
             <a:endParaRPr lang="zh-CN" altLang="en-US" sz="1200" dirty="0"/>
           </a:p>
@@ -2176,7 +2305,14 @@
         <p:cNvGrpSpPr/>
         <p:nvPr/>
       </p:nvGrpSpPr>
-      <p:grpSpPr/>
+      <p:grpSpPr>
+        <a:xfrm>
+          <a:off x="0" y="0"/>
+          <a:ext cx="0" cy="0"/>
+          <a:chOff x="0" y="0"/>
+          <a:chExt cx="0" cy="0"/>
+        </a:xfrm>
+      </p:grpSpPr>
       <p:sp>
         <p:nvSpPr>
           <p:cNvPr id="12290" name="幻灯片图像占位符 1"/>
@@ -2216,6 +2352,7 @@
         </p:spPr>
         <p:txBody>
           <a:bodyPr wrap="square" lIns="91440" tIns="45720" rIns="91440" bIns="45720" anchor="t" anchorCtr="0"/>
+          <a:lstStyle/>
           <a:p>
             <a:pPr lvl="0"/>
             <a:endParaRPr lang="zh-CN" altLang="en-US" dirty="0"/>
@@ -2247,10 +2384,12 @@
         </p:spPr>
         <p:txBody>
           <a:bodyPr anchor="b" anchorCtr="0"/>
+          <a:lstStyle/>
           <a:p>
             <a:pPr lvl="0" algn="r" eaLnBrk="1" hangingPunct="1"/>
             <a:fld id="{9A0DB2DC-4C9A-4742-B13C-FB6460FD3503}" type="slidenum">
               <a:rPr lang="zh-CN" altLang="en-US" sz="1200" dirty="0"/>
+              <a:t>4</a:t>
             </a:fld>
             <a:endParaRPr lang="zh-CN" altLang="en-US" sz="1200" dirty="0"/>
           </a:p>
@@ -2273,7 +2412,14 @@
         <p:cNvGrpSpPr/>
         <p:nvPr/>
       </p:nvGrpSpPr>
-      <p:grpSpPr/>
+      <p:grpSpPr>
+        <a:xfrm>
+          <a:off x="0" y="0"/>
+          <a:ext cx="0" cy="0"/>
+          <a:chOff x="0" y="0"/>
+          <a:chExt cx="0" cy="0"/>
+        </a:xfrm>
+      </p:grpSpPr>
       <p:sp>
         <p:nvSpPr>
           <p:cNvPr id="14338" name="幻灯片图像占位符 1"/>
@@ -2313,6 +2459,7 @@
         </p:spPr>
         <p:txBody>
           <a:bodyPr wrap="square" lIns="91440" tIns="45720" rIns="91440" bIns="45720" anchor="t" anchorCtr="0"/>
+          <a:lstStyle/>
           <a:p>
             <a:pPr lvl="0"/>
             <a:endParaRPr lang="zh-CN" altLang="en-US" dirty="0"/>
@@ -2344,10 +2491,12 @@
         </p:spPr>
         <p:txBody>
           <a:bodyPr anchor="b" anchorCtr="0"/>
+          <a:lstStyle/>
           <a:p>
             <a:pPr lvl="0" algn="r" eaLnBrk="1" hangingPunct="1"/>
             <a:fld id="{9A0DB2DC-4C9A-4742-B13C-FB6460FD3503}" type="slidenum">
               <a:rPr lang="zh-CN" altLang="en-US" sz="1200" dirty="0"/>
+              <a:t>5</a:t>
             </a:fld>
             <a:endParaRPr lang="zh-CN" altLang="en-US" sz="1200" dirty="0"/>
           </a:p>
@@ -2370,7 +2519,14 @@
         <p:cNvGrpSpPr/>
         <p:nvPr/>
       </p:nvGrpSpPr>
-      <p:grpSpPr/>
+      <p:grpSpPr>
+        <a:xfrm>
+          <a:off x="0" y="0"/>
+          <a:ext cx="0" cy="0"/>
+          <a:chOff x="0" y="0"/>
+          <a:chExt cx="0" cy="0"/>
+        </a:xfrm>
+      </p:grpSpPr>
       <p:sp>
         <p:nvSpPr>
           <p:cNvPr id="16386" name="幻灯片图像占位符 1"/>
@@ -2410,6 +2566,7 @@
         </p:spPr>
         <p:txBody>
           <a:bodyPr wrap="square" lIns="91440" tIns="45720" rIns="91440" bIns="45720" anchor="t" anchorCtr="0"/>
+          <a:lstStyle/>
           <a:p>
             <a:pPr lvl="0"/>
             <a:endParaRPr lang="zh-CN" altLang="en-US" dirty="0"/>
@@ -2441,10 +2598,12 @@
         </p:spPr>
         <p:txBody>
           <a:bodyPr anchor="b" anchorCtr="0"/>
+          <a:lstStyle/>
           <a:p>
             <a:pPr lvl="0" algn="r" eaLnBrk="1" hangingPunct="1"/>
             <a:fld id="{9A0DB2DC-4C9A-4742-B13C-FB6460FD3503}" type="slidenum">
               <a:rPr lang="zh-CN" altLang="en-US" sz="1200" dirty="0"/>
+              <a:t>6</a:t>
             </a:fld>
             <a:endParaRPr lang="zh-CN" altLang="en-US" sz="1200" dirty="0"/>
           </a:p>
@@ -2467,7 +2626,14 @@
         <p:cNvGrpSpPr/>
         <p:nvPr/>
       </p:nvGrpSpPr>
-      <p:grpSpPr/>
+      <p:grpSpPr>
+        <a:xfrm>
+          <a:off x="0" y="0"/>
+          <a:ext cx="0" cy="0"/>
+          <a:chOff x="0" y="0"/>
+          <a:chExt cx="0" cy="0"/>
+        </a:xfrm>
+      </p:grpSpPr>
       <p:sp>
         <p:nvSpPr>
           <p:cNvPr id="18434" name="幻灯片图像占位符 1"/>
@@ -2507,6 +2673,7 @@
         </p:spPr>
         <p:txBody>
           <a:bodyPr wrap="square" lIns="91440" tIns="45720" rIns="91440" bIns="45720" anchor="t" anchorCtr="0"/>
+          <a:lstStyle/>
           <a:p>
             <a:pPr lvl="0"/>
             <a:endParaRPr lang="zh-CN" altLang="en-US" dirty="0"/>
@@ -2538,10 +2705,12 @@
         </p:spPr>
         <p:txBody>
           <a:bodyPr anchor="b" anchorCtr="0"/>
+          <a:lstStyle/>
           <a:p>
             <a:pPr lvl="0" algn="r" eaLnBrk="1" hangingPunct="1"/>
             <a:fld id="{9A0DB2DC-4C9A-4742-B13C-FB6460FD3503}" type="slidenum">
               <a:rPr lang="zh-CN" altLang="en-US" sz="1200" dirty="0"/>
+              <a:t>7</a:t>
             </a:fld>
             <a:endParaRPr lang="zh-CN" altLang="en-US" sz="1200" dirty="0"/>
           </a:p>
@@ -2564,7 +2733,14 @@
         <p:cNvGrpSpPr/>
         <p:nvPr/>
       </p:nvGrpSpPr>
-      <p:grpSpPr/>
+      <p:grpSpPr>
+        <a:xfrm>
+          <a:off x="0" y="0"/>
+          <a:ext cx="0" cy="0"/>
+          <a:chOff x="0" y="0"/>
+          <a:chExt cx="0" cy="0"/>
+        </a:xfrm>
+      </p:grpSpPr>
       <p:sp>
         <p:nvSpPr>
           <p:cNvPr id="20482" name="幻灯片图像占位符 1"/>
@@ -2604,6 +2780,7 @@
         </p:spPr>
         <p:txBody>
           <a:bodyPr wrap="square" lIns="91440" tIns="45720" rIns="91440" bIns="45720" anchor="t" anchorCtr="0"/>
+          <a:lstStyle/>
           <a:p>
             <a:pPr lvl="0"/>
             <a:endParaRPr lang="zh-CN" altLang="en-US" dirty="0"/>
@@ -2635,10 +2812,12 @@
         </p:spPr>
         <p:txBody>
           <a:bodyPr anchor="b" anchorCtr="0"/>
+          <a:lstStyle/>
           <a:p>
             <a:pPr lvl="0" algn="r" eaLnBrk="1" hangingPunct="1"/>
             <a:fld id="{9A0DB2DC-4C9A-4742-B13C-FB6460FD3503}" type="slidenum">
               <a:rPr lang="zh-CN" altLang="en-US" sz="1200" dirty="0"/>
+              <a:t>8</a:t>
             </a:fld>
             <a:endParaRPr lang="zh-CN" altLang="en-US" sz="1200" dirty="0"/>
           </a:p>
@@ -2661,7 +2840,14 @@
         <p:cNvGrpSpPr/>
         <p:nvPr/>
       </p:nvGrpSpPr>
-      <p:grpSpPr/>
+      <p:grpSpPr>
+        <a:xfrm>
+          <a:off x="0" y="0"/>
+          <a:ext cx="0" cy="0"/>
+          <a:chOff x="0" y="0"/>
+          <a:chExt cx="0" cy="0"/>
+        </a:xfrm>
+      </p:grpSpPr>
       <p:sp>
         <p:nvSpPr>
           <p:cNvPr id="22530" name="幻灯片图像占位符 1"/>
@@ -2701,6 +2887,7 @@
         </p:spPr>
         <p:txBody>
           <a:bodyPr wrap="square" lIns="91440" tIns="45720" rIns="91440" bIns="45720" anchor="t" anchorCtr="0"/>
+          <a:lstStyle/>
           <a:p>
             <a:pPr lvl="0"/>
             <a:endParaRPr lang="zh-CN" altLang="en-US" dirty="0"/>
@@ -2732,10 +2919,12 @@
         </p:spPr>
         <p:txBody>
           <a:bodyPr anchor="b" anchorCtr="0"/>
+          <a:lstStyle/>
           <a:p>
             <a:pPr lvl="0" algn="r" eaLnBrk="1" hangingPunct="1"/>
             <a:fld id="{9A0DB2DC-4C9A-4742-B13C-FB6460FD3503}" type="slidenum">
               <a:rPr lang="zh-CN" altLang="en-US" sz="1200" dirty="0"/>
+              <a:t>9</a:t>
             </a:fld>
             <a:endParaRPr lang="zh-CN" altLang="en-US" sz="1200" dirty="0"/>
           </a:p>
@@ -2790,7 +2979,6 @@
               <a:rPr lang="zh-CN" altLang="en-US" noProof="1"/>
               <a:t>单击此处编辑母版标题样式</a:t>
             </a:r>
-            <a:endParaRPr lang="zh-CN" altLang="en-US" noProof="1"/>
           </a:p>
         </p:txBody>
       </p:sp>
@@ -2855,7 +3043,6 @@
               <a:rPr lang="zh-CN" altLang="en-US" noProof="1"/>
               <a:t>单击此处编辑母版副标题样式</a:t>
             </a:r>
-            <a:endParaRPr lang="zh-CN" altLang="en-US" noProof="1"/>
           </a:p>
         </p:txBody>
       </p:sp>
@@ -2903,7 +3090,6 @@
               <a:rPr lang="zh-CN" altLang="en-US" noProof="1"/>
               <a:t>单击此处编辑母版标题样式</a:t>
             </a:r>
-            <a:endParaRPr lang="zh-CN" altLang="en-US" noProof="1"/>
           </a:p>
         </p:txBody>
       </p:sp>
@@ -2927,7 +3113,6 @@
               <a:rPr lang="zh-CN" altLang="en-US" noProof="1"/>
               <a:t>单击此处编辑母版文本样式</a:t>
             </a:r>
-            <a:endParaRPr lang="zh-CN" altLang="en-US" noProof="1"/>
           </a:p>
           <a:p>
             <a:pPr lvl="1"/>
@@ -2935,7 +3120,6 @@
               <a:rPr lang="zh-CN" altLang="en-US" noProof="1"/>
               <a:t>第二级</a:t>
             </a:r>
-            <a:endParaRPr lang="zh-CN" altLang="en-US" noProof="1"/>
           </a:p>
           <a:p>
             <a:pPr lvl="2"/>
@@ -2943,7 +3127,6 @@
               <a:rPr lang="zh-CN" altLang="en-US" noProof="1"/>
               <a:t>第三级</a:t>
             </a:r>
-            <a:endParaRPr lang="zh-CN" altLang="en-US" noProof="1"/>
           </a:p>
           <a:p>
             <a:pPr lvl="3"/>
@@ -2951,7 +3134,6 @@
               <a:rPr lang="zh-CN" altLang="en-US" noProof="1"/>
               <a:t>第四级</a:t>
             </a:r>
-            <a:endParaRPr lang="zh-CN" altLang="en-US" noProof="1"/>
           </a:p>
           <a:p>
             <a:pPr lvl="4"/>
@@ -2959,7 +3141,6 @@
               <a:rPr lang="zh-CN" altLang="en-US" noProof="1"/>
               <a:t>第五级</a:t>
             </a:r>
-            <a:endParaRPr lang="zh-CN" altLang="en-US" noProof="1"/>
           </a:p>
         </p:txBody>
       </p:sp>
@@ -3012,7 +3193,6 @@
               <a:rPr lang="zh-CN" altLang="en-US" noProof="1"/>
               <a:t>单击此处编辑母版标题样式</a:t>
             </a:r>
-            <a:endParaRPr lang="zh-CN" altLang="en-US" noProof="1"/>
           </a:p>
         </p:txBody>
       </p:sp>
@@ -3041,7 +3221,6 @@
               <a:rPr lang="zh-CN" altLang="en-US" noProof="1"/>
               <a:t>单击此处编辑母版文本样式</a:t>
             </a:r>
-            <a:endParaRPr lang="zh-CN" altLang="en-US" noProof="1"/>
           </a:p>
           <a:p>
             <a:pPr lvl="1"/>
@@ -3049,7 +3228,6 @@
               <a:rPr lang="zh-CN" altLang="en-US" noProof="1"/>
               <a:t>第二级</a:t>
             </a:r>
-            <a:endParaRPr lang="zh-CN" altLang="en-US" noProof="1"/>
           </a:p>
           <a:p>
             <a:pPr lvl="2"/>
@@ -3057,7 +3235,6 @@
               <a:rPr lang="zh-CN" altLang="en-US" noProof="1"/>
               <a:t>第三级</a:t>
             </a:r>
-            <a:endParaRPr lang="zh-CN" altLang="en-US" noProof="1"/>
           </a:p>
           <a:p>
             <a:pPr lvl="3"/>
@@ -3065,7 +3242,6 @@
               <a:rPr lang="zh-CN" altLang="en-US" noProof="1"/>
               <a:t>第四级</a:t>
             </a:r>
-            <a:endParaRPr lang="zh-CN" altLang="en-US" noProof="1"/>
           </a:p>
           <a:p>
             <a:pPr lvl="4"/>
@@ -3073,7 +3249,6 @@
               <a:rPr lang="zh-CN" altLang="en-US" noProof="1"/>
               <a:t>第五级</a:t>
             </a:r>
-            <a:endParaRPr lang="zh-CN" altLang="en-US" noProof="1"/>
           </a:p>
         </p:txBody>
       </p:sp>
@@ -3126,7 +3301,6 @@
               <a:rPr lang="zh-CN" altLang="en-US" noProof="1"/>
               <a:t>单击此处编辑母版标题样式</a:t>
             </a:r>
-            <a:endParaRPr lang="zh-CN" altLang="en-US" noProof="1"/>
           </a:p>
         </p:txBody>
       </p:sp>
@@ -3191,7 +3365,6 @@
               <a:rPr lang="zh-CN" altLang="en-US" noProof="1"/>
               <a:t>单击此处编辑母版副标题样式</a:t>
             </a:r>
-            <a:endParaRPr lang="zh-CN" altLang="en-US" noProof="1"/>
           </a:p>
         </p:txBody>
       </p:sp>
@@ -3239,7 +3412,6 @@
               <a:rPr lang="zh-CN" altLang="en-US" noProof="1"/>
               <a:t>单击此处编辑母版标题样式</a:t>
             </a:r>
-            <a:endParaRPr lang="zh-CN" altLang="en-US" noProof="1"/>
           </a:p>
         </p:txBody>
       </p:sp>
@@ -3263,7 +3435,6 @@
               <a:rPr lang="zh-CN" altLang="en-US" noProof="1"/>
               <a:t>单击此处编辑母版文本样式</a:t>
             </a:r>
-            <a:endParaRPr lang="zh-CN" altLang="en-US" noProof="1"/>
           </a:p>
           <a:p>
             <a:pPr lvl="1"/>
@@ -3271,7 +3442,6 @@
               <a:rPr lang="zh-CN" altLang="en-US" noProof="1"/>
               <a:t>第二级</a:t>
             </a:r>
-            <a:endParaRPr lang="zh-CN" altLang="en-US" noProof="1"/>
           </a:p>
           <a:p>
             <a:pPr lvl="2"/>
@@ -3279,7 +3449,6 @@
               <a:rPr lang="zh-CN" altLang="en-US" noProof="1"/>
               <a:t>第三级</a:t>
             </a:r>
-            <a:endParaRPr lang="zh-CN" altLang="en-US" noProof="1"/>
           </a:p>
           <a:p>
             <a:pPr lvl="3"/>
@@ -3287,7 +3456,6 @@
               <a:rPr lang="zh-CN" altLang="en-US" noProof="1"/>
               <a:t>第四级</a:t>
             </a:r>
-            <a:endParaRPr lang="zh-CN" altLang="en-US" noProof="1"/>
           </a:p>
           <a:p>
             <a:pPr lvl="4"/>
@@ -3295,7 +3463,6 @@
               <a:rPr lang="zh-CN" altLang="en-US" noProof="1"/>
               <a:t>第五级</a:t>
             </a:r>
-            <a:endParaRPr lang="zh-CN" altLang="en-US" noProof="1"/>
           </a:p>
         </p:txBody>
       </p:sp>
@@ -3352,7 +3519,6 @@
               <a:rPr lang="zh-CN" altLang="en-US" noProof="1"/>
               <a:t>单击此处编辑母版标题样式</a:t>
             </a:r>
-            <a:endParaRPr lang="zh-CN" altLang="en-US" noProof="1"/>
           </a:p>
         </p:txBody>
       </p:sp>
@@ -3418,7 +3584,6 @@
               <a:rPr lang="zh-CN" altLang="en-US" noProof="1"/>
               <a:t>单击此处编辑母版文本样式</a:t>
             </a:r>
-            <a:endParaRPr lang="zh-CN" altLang="en-US" noProof="1"/>
           </a:p>
         </p:txBody>
       </p:sp>
@@ -3466,7 +3631,6 @@
               <a:rPr lang="zh-CN" altLang="en-US" noProof="1"/>
               <a:t>单击此处编辑母版标题样式</a:t>
             </a:r>
-            <a:endParaRPr lang="zh-CN" altLang="en-US" noProof="1"/>
           </a:p>
         </p:txBody>
       </p:sp>
@@ -3523,7 +3687,6 @@
               <a:rPr lang="zh-CN" altLang="en-US" noProof="1"/>
               <a:t>单击此处编辑母版文本样式</a:t>
             </a:r>
-            <a:endParaRPr lang="zh-CN" altLang="en-US" noProof="1"/>
           </a:p>
           <a:p>
             <a:pPr lvl="1"/>
@@ -3531,7 +3694,6 @@
               <a:rPr lang="zh-CN" altLang="en-US" noProof="1"/>
               <a:t>第二级</a:t>
             </a:r>
-            <a:endParaRPr lang="zh-CN" altLang="en-US" noProof="1"/>
           </a:p>
           <a:p>
             <a:pPr lvl="2"/>
@@ -3539,7 +3701,6 @@
               <a:rPr lang="zh-CN" altLang="en-US" noProof="1"/>
               <a:t>第三级</a:t>
             </a:r>
-            <a:endParaRPr lang="zh-CN" altLang="en-US" noProof="1"/>
           </a:p>
           <a:p>
             <a:pPr lvl="3"/>
@@ -3547,7 +3708,6 @@
               <a:rPr lang="zh-CN" altLang="en-US" noProof="1"/>
               <a:t>第四级</a:t>
             </a:r>
-            <a:endParaRPr lang="zh-CN" altLang="en-US" noProof="1"/>
           </a:p>
           <a:p>
             <a:pPr lvl="4"/>
@@ -3555,7 +3715,6 @@
               <a:rPr lang="zh-CN" altLang="en-US" noProof="1"/>
               <a:t>第五级</a:t>
             </a:r>
-            <a:endParaRPr lang="zh-CN" altLang="en-US" noProof="1"/>
           </a:p>
         </p:txBody>
       </p:sp>
@@ -3612,7 +3771,6 @@
               <a:rPr lang="zh-CN" altLang="en-US" noProof="1"/>
               <a:t>单击此处编辑母版文本样式</a:t>
             </a:r>
-            <a:endParaRPr lang="zh-CN" altLang="en-US" noProof="1"/>
           </a:p>
           <a:p>
             <a:pPr lvl="1"/>
@@ -3620,7 +3778,6 @@
               <a:rPr lang="zh-CN" altLang="en-US" noProof="1"/>
               <a:t>第二级</a:t>
             </a:r>
-            <a:endParaRPr lang="zh-CN" altLang="en-US" noProof="1"/>
           </a:p>
           <a:p>
             <a:pPr lvl="2"/>
@@ -3628,7 +3785,6 @@
               <a:rPr lang="zh-CN" altLang="en-US" noProof="1"/>
               <a:t>第三级</a:t>
             </a:r>
-            <a:endParaRPr lang="zh-CN" altLang="en-US" noProof="1"/>
           </a:p>
           <a:p>
             <a:pPr lvl="3"/>
@@ -3636,7 +3792,6 @@
               <a:rPr lang="zh-CN" altLang="en-US" noProof="1"/>
               <a:t>第四级</a:t>
             </a:r>
-            <a:endParaRPr lang="zh-CN" altLang="en-US" noProof="1"/>
           </a:p>
           <a:p>
             <a:pPr lvl="4"/>
@@ -3644,7 +3799,6 @@
               <a:rPr lang="zh-CN" altLang="en-US" noProof="1"/>
               <a:t>第五级</a:t>
             </a:r>
-            <a:endParaRPr lang="zh-CN" altLang="en-US" noProof="1"/>
           </a:p>
         </p:txBody>
       </p:sp>
@@ -3701,7 +3855,6 @@
               <a:rPr lang="zh-CN" altLang="en-US" noProof="1"/>
               <a:t>单击此处编辑母版标题样式</a:t>
             </a:r>
-            <a:endParaRPr lang="zh-CN" altLang="en-US" noProof="1"/>
           </a:p>
         </p:txBody>
       </p:sp>
@@ -3767,7 +3920,6 @@
               <a:rPr lang="zh-CN" altLang="en-US" noProof="1"/>
               <a:t>单击此处编辑母版文本样式</a:t>
             </a:r>
-            <a:endParaRPr lang="zh-CN" altLang="en-US" noProof="1"/>
           </a:p>
         </p:txBody>
       </p:sp>
@@ -3824,7 +3976,6 @@
               <a:rPr lang="zh-CN" altLang="en-US" noProof="1"/>
               <a:t>单击此处编辑母版文本样式</a:t>
             </a:r>
-            <a:endParaRPr lang="zh-CN" altLang="en-US" noProof="1"/>
           </a:p>
           <a:p>
             <a:pPr lvl="1"/>
@@ -3832,7 +3983,6 @@
               <a:rPr lang="zh-CN" altLang="en-US" noProof="1"/>
               <a:t>第二级</a:t>
             </a:r>
-            <a:endParaRPr lang="zh-CN" altLang="en-US" noProof="1"/>
           </a:p>
           <a:p>
             <a:pPr lvl="2"/>
@@ -3840,7 +3990,6 @@
               <a:rPr lang="zh-CN" altLang="en-US" noProof="1"/>
               <a:t>第三级</a:t>
             </a:r>
-            <a:endParaRPr lang="zh-CN" altLang="en-US" noProof="1"/>
           </a:p>
           <a:p>
             <a:pPr lvl="3"/>
@@ -3848,7 +3997,6 @@
               <a:rPr lang="zh-CN" altLang="en-US" noProof="1"/>
               <a:t>第四级</a:t>
             </a:r>
-            <a:endParaRPr lang="zh-CN" altLang="en-US" noProof="1"/>
           </a:p>
           <a:p>
             <a:pPr lvl="4"/>
@@ -3856,7 +4004,6 @@
               <a:rPr lang="zh-CN" altLang="en-US" noProof="1"/>
               <a:t>第五级</a:t>
             </a:r>
-            <a:endParaRPr lang="zh-CN" altLang="en-US" noProof="1"/>
           </a:p>
         </p:txBody>
       </p:sp>
@@ -3922,7 +4069,6 @@
               <a:rPr lang="zh-CN" altLang="en-US" noProof="1"/>
               <a:t>单击此处编辑母版文本样式</a:t>
             </a:r>
-            <a:endParaRPr lang="zh-CN" altLang="en-US" noProof="1"/>
           </a:p>
         </p:txBody>
       </p:sp>
@@ -3979,7 +4125,6 @@
               <a:rPr lang="zh-CN" altLang="en-US" noProof="1"/>
               <a:t>单击此处编辑母版文本样式</a:t>
             </a:r>
-            <a:endParaRPr lang="zh-CN" altLang="en-US" noProof="1"/>
           </a:p>
           <a:p>
             <a:pPr lvl="1"/>
@@ -3987,7 +4132,6 @@
               <a:rPr lang="zh-CN" altLang="en-US" noProof="1"/>
               <a:t>第二级</a:t>
             </a:r>
-            <a:endParaRPr lang="zh-CN" altLang="en-US" noProof="1"/>
           </a:p>
           <a:p>
             <a:pPr lvl="2"/>
@@ -3995,7 +4139,6 @@
               <a:rPr lang="zh-CN" altLang="en-US" noProof="1"/>
               <a:t>第三级</a:t>
             </a:r>
-            <a:endParaRPr lang="zh-CN" altLang="en-US" noProof="1"/>
           </a:p>
           <a:p>
             <a:pPr lvl="3"/>
@@ -4003,7 +4146,6 @@
               <a:rPr lang="zh-CN" altLang="en-US" noProof="1"/>
               <a:t>第四级</a:t>
             </a:r>
-            <a:endParaRPr lang="zh-CN" altLang="en-US" noProof="1"/>
           </a:p>
           <a:p>
             <a:pPr lvl="4"/>
@@ -4011,7 +4153,6 @@
               <a:rPr lang="zh-CN" altLang="en-US" noProof="1"/>
               <a:t>第五级</a:t>
             </a:r>
-            <a:endParaRPr lang="zh-CN" altLang="en-US" noProof="1"/>
           </a:p>
         </p:txBody>
       </p:sp>
@@ -4059,7 +4200,6 @@
               <a:rPr lang="zh-CN" altLang="en-US" noProof="1"/>
               <a:t>单击此处编辑母版标题样式</a:t>
             </a:r>
-            <a:endParaRPr lang="zh-CN" altLang="en-US" noProof="1"/>
           </a:p>
         </p:txBody>
       </p:sp>
@@ -4141,7 +4281,6 @@
               <a:rPr lang="zh-CN" altLang="en-US" noProof="1"/>
               <a:t>单击此处编辑母版标题样式</a:t>
             </a:r>
-            <a:endParaRPr lang="zh-CN" altLang="en-US" noProof="1"/>
           </a:p>
         </p:txBody>
       </p:sp>
@@ -4198,7 +4337,6 @@
               <a:rPr lang="zh-CN" altLang="en-US" noProof="1"/>
               <a:t>单击此处编辑母版文本样式</a:t>
             </a:r>
-            <a:endParaRPr lang="zh-CN" altLang="en-US" noProof="1"/>
           </a:p>
           <a:p>
             <a:pPr lvl="1"/>
@@ -4206,7 +4344,6 @@
               <a:rPr lang="zh-CN" altLang="en-US" noProof="1"/>
               <a:t>第二级</a:t>
             </a:r>
-            <a:endParaRPr lang="zh-CN" altLang="en-US" noProof="1"/>
           </a:p>
           <a:p>
             <a:pPr lvl="2"/>
@@ -4214,7 +4351,6 @@
               <a:rPr lang="zh-CN" altLang="en-US" noProof="1"/>
               <a:t>第三级</a:t>
             </a:r>
-            <a:endParaRPr lang="zh-CN" altLang="en-US" noProof="1"/>
           </a:p>
           <a:p>
             <a:pPr lvl="3"/>
@@ -4222,7 +4358,6 @@
               <a:rPr lang="zh-CN" altLang="en-US" noProof="1"/>
               <a:t>第四级</a:t>
             </a:r>
-            <a:endParaRPr lang="zh-CN" altLang="en-US" noProof="1"/>
           </a:p>
           <a:p>
             <a:pPr lvl="4"/>
@@ -4230,7 +4365,6 @@
               <a:rPr lang="zh-CN" altLang="en-US" noProof="1"/>
               <a:t>第五级</a:t>
             </a:r>
-            <a:endParaRPr lang="zh-CN" altLang="en-US" noProof="1"/>
           </a:p>
         </p:txBody>
       </p:sp>
@@ -4296,7 +4430,6 @@
               <a:rPr lang="zh-CN" altLang="en-US" noProof="1"/>
               <a:t>单击此处编辑母版文本样式</a:t>
             </a:r>
-            <a:endParaRPr lang="zh-CN" altLang="en-US" noProof="1"/>
           </a:p>
         </p:txBody>
       </p:sp>
@@ -4344,7 +4477,6 @@
               <a:rPr lang="zh-CN" altLang="en-US" noProof="1"/>
               <a:t>单击此处编辑母版标题样式</a:t>
             </a:r>
-            <a:endParaRPr lang="zh-CN" altLang="en-US" noProof="1"/>
           </a:p>
         </p:txBody>
       </p:sp>
@@ -4368,7 +4500,6 @@
               <a:rPr lang="zh-CN" altLang="en-US" noProof="1"/>
               <a:t>单击此处编辑母版文本样式</a:t>
             </a:r>
-            <a:endParaRPr lang="zh-CN" altLang="en-US" noProof="1"/>
           </a:p>
           <a:p>
             <a:pPr lvl="1"/>
@@ -4376,7 +4507,6 @@
               <a:rPr lang="zh-CN" altLang="en-US" noProof="1"/>
               <a:t>第二级</a:t>
             </a:r>
-            <a:endParaRPr lang="zh-CN" altLang="en-US" noProof="1"/>
           </a:p>
           <a:p>
             <a:pPr lvl="2"/>
@@ -4384,7 +4514,6 @@
               <a:rPr lang="zh-CN" altLang="en-US" noProof="1"/>
               <a:t>第三级</a:t>
             </a:r>
-            <a:endParaRPr lang="zh-CN" altLang="en-US" noProof="1"/>
           </a:p>
           <a:p>
             <a:pPr lvl="3"/>
@@ -4392,7 +4521,6 @@
               <a:rPr lang="zh-CN" altLang="en-US" noProof="1"/>
               <a:t>第四级</a:t>
             </a:r>
-            <a:endParaRPr lang="zh-CN" altLang="en-US" noProof="1"/>
           </a:p>
           <a:p>
             <a:pPr lvl="4"/>
@@ -4400,7 +4528,6 @@
               <a:rPr lang="zh-CN" altLang="en-US" noProof="1"/>
               <a:t>第五级</a:t>
             </a:r>
-            <a:endParaRPr lang="zh-CN" altLang="en-US" noProof="1"/>
           </a:p>
         </p:txBody>
       </p:sp>
@@ -4457,7 +4584,6 @@
               <a:rPr lang="zh-CN" altLang="en-US" noProof="1"/>
               <a:t>单击此处编辑母版标题样式</a:t>
             </a:r>
-            <a:endParaRPr lang="zh-CN" altLang="en-US" noProof="1"/>
           </a:p>
         </p:txBody>
       </p:sp>
@@ -4613,7 +4739,6 @@
               <a:rPr lang="zh-CN" altLang="en-US" noProof="1"/>
               <a:t>单击此处编辑母版文本样式</a:t>
             </a:r>
-            <a:endParaRPr lang="zh-CN" altLang="en-US" noProof="1"/>
           </a:p>
         </p:txBody>
       </p:sp>
@@ -4661,7 +4786,6 @@
               <a:rPr lang="zh-CN" altLang="en-US" noProof="1"/>
               <a:t>单击此处编辑母版标题样式</a:t>
             </a:r>
-            <a:endParaRPr lang="zh-CN" altLang="en-US" noProof="1"/>
           </a:p>
         </p:txBody>
       </p:sp>
@@ -4685,7 +4809,6 @@
               <a:rPr lang="zh-CN" altLang="en-US" noProof="1"/>
               <a:t>单击此处编辑母版文本样式</a:t>
             </a:r>
-            <a:endParaRPr lang="zh-CN" altLang="en-US" noProof="1"/>
           </a:p>
           <a:p>
             <a:pPr lvl="1"/>
@@ -4693,7 +4816,6 @@
               <a:rPr lang="zh-CN" altLang="en-US" noProof="1"/>
               <a:t>第二级</a:t>
             </a:r>
-            <a:endParaRPr lang="zh-CN" altLang="en-US" noProof="1"/>
           </a:p>
           <a:p>
             <a:pPr lvl="2"/>
@@ -4701,7 +4823,6 @@
               <a:rPr lang="zh-CN" altLang="en-US" noProof="1"/>
               <a:t>第三级</a:t>
             </a:r>
-            <a:endParaRPr lang="zh-CN" altLang="en-US" noProof="1"/>
           </a:p>
           <a:p>
             <a:pPr lvl="3"/>
@@ -4709,7 +4830,6 @@
               <a:rPr lang="zh-CN" altLang="en-US" noProof="1"/>
               <a:t>第四级</a:t>
             </a:r>
-            <a:endParaRPr lang="zh-CN" altLang="en-US" noProof="1"/>
           </a:p>
           <a:p>
             <a:pPr lvl="4"/>
@@ -4717,7 +4837,6 @@
               <a:rPr lang="zh-CN" altLang="en-US" noProof="1"/>
               <a:t>第五级</a:t>
             </a:r>
-            <a:endParaRPr lang="zh-CN" altLang="en-US" noProof="1"/>
           </a:p>
         </p:txBody>
       </p:sp>
@@ -4770,7 +4889,6 @@
               <a:rPr lang="zh-CN" altLang="en-US" noProof="1"/>
               <a:t>单击此处编辑母版标题样式</a:t>
             </a:r>
-            <a:endParaRPr lang="zh-CN" altLang="en-US" noProof="1"/>
           </a:p>
         </p:txBody>
       </p:sp>
@@ -4799,7 +4917,6 @@
               <a:rPr lang="zh-CN" altLang="en-US" noProof="1"/>
               <a:t>单击此处编辑母版文本样式</a:t>
             </a:r>
-            <a:endParaRPr lang="zh-CN" altLang="en-US" noProof="1"/>
           </a:p>
           <a:p>
             <a:pPr lvl="1"/>
@@ -4807,7 +4924,6 @@
               <a:rPr lang="zh-CN" altLang="en-US" noProof="1"/>
               <a:t>第二级</a:t>
             </a:r>
-            <a:endParaRPr lang="zh-CN" altLang="en-US" noProof="1"/>
           </a:p>
           <a:p>
             <a:pPr lvl="2"/>
@@ -4815,7 +4931,6 @@
               <a:rPr lang="zh-CN" altLang="en-US" noProof="1"/>
               <a:t>第三级</a:t>
             </a:r>
-            <a:endParaRPr lang="zh-CN" altLang="en-US" noProof="1"/>
           </a:p>
           <a:p>
             <a:pPr lvl="3"/>
@@ -4823,7 +4938,6 @@
               <a:rPr lang="zh-CN" altLang="en-US" noProof="1"/>
               <a:t>第四级</a:t>
             </a:r>
-            <a:endParaRPr lang="zh-CN" altLang="en-US" noProof="1"/>
           </a:p>
           <a:p>
             <a:pPr lvl="4"/>
@@ -4831,7 +4945,6 @@
               <a:rPr lang="zh-CN" altLang="en-US" noProof="1"/>
               <a:t>第五级</a:t>
             </a:r>
-            <a:endParaRPr lang="zh-CN" altLang="en-US" noProof="1"/>
           </a:p>
         </p:txBody>
       </p:sp>
@@ -4888,7 +5001,6 @@
               <a:rPr lang="zh-CN" altLang="en-US" noProof="1"/>
               <a:t>单击此处编辑母版标题样式</a:t>
             </a:r>
-            <a:endParaRPr lang="zh-CN" altLang="en-US" noProof="1"/>
           </a:p>
         </p:txBody>
       </p:sp>
@@ -4954,7 +5066,6 @@
               <a:rPr lang="zh-CN" altLang="en-US" noProof="1"/>
               <a:t>单击此处编辑母版文本样式</a:t>
             </a:r>
-            <a:endParaRPr lang="zh-CN" altLang="en-US" noProof="1"/>
           </a:p>
         </p:txBody>
       </p:sp>
@@ -5002,7 +5113,6 @@
               <a:rPr lang="zh-CN" altLang="en-US" noProof="1"/>
               <a:t>单击此处编辑母版标题样式</a:t>
             </a:r>
-            <a:endParaRPr lang="zh-CN" altLang="en-US" noProof="1"/>
           </a:p>
         </p:txBody>
       </p:sp>
@@ -5059,7 +5169,6 @@
               <a:rPr lang="zh-CN" altLang="en-US" noProof="1"/>
               <a:t>单击此处编辑母版文本样式</a:t>
             </a:r>
-            <a:endParaRPr lang="zh-CN" altLang="en-US" noProof="1"/>
           </a:p>
           <a:p>
             <a:pPr lvl="1"/>
@@ -5067,7 +5176,6 @@
               <a:rPr lang="zh-CN" altLang="en-US" noProof="1"/>
               <a:t>第二级</a:t>
             </a:r>
-            <a:endParaRPr lang="zh-CN" altLang="en-US" noProof="1"/>
           </a:p>
           <a:p>
             <a:pPr lvl="2"/>
@@ -5075,7 +5183,6 @@
               <a:rPr lang="zh-CN" altLang="en-US" noProof="1"/>
               <a:t>第三级</a:t>
             </a:r>
-            <a:endParaRPr lang="zh-CN" altLang="en-US" noProof="1"/>
           </a:p>
           <a:p>
             <a:pPr lvl="3"/>
@@ -5083,7 +5190,6 @@
               <a:rPr lang="zh-CN" altLang="en-US" noProof="1"/>
               <a:t>第四级</a:t>
             </a:r>
-            <a:endParaRPr lang="zh-CN" altLang="en-US" noProof="1"/>
           </a:p>
           <a:p>
             <a:pPr lvl="4"/>
@@ -5091,7 +5197,6 @@
               <a:rPr lang="zh-CN" altLang="en-US" noProof="1"/>
               <a:t>第五级</a:t>
             </a:r>
-            <a:endParaRPr lang="zh-CN" altLang="en-US" noProof="1"/>
           </a:p>
         </p:txBody>
       </p:sp>
@@ -5148,7 +5253,6 @@
               <a:rPr lang="zh-CN" altLang="en-US" noProof="1"/>
               <a:t>单击此处编辑母版文本样式</a:t>
             </a:r>
-            <a:endParaRPr lang="zh-CN" altLang="en-US" noProof="1"/>
           </a:p>
           <a:p>
             <a:pPr lvl="1"/>
@@ -5156,7 +5260,6 @@
               <a:rPr lang="zh-CN" altLang="en-US" noProof="1"/>
               <a:t>第二级</a:t>
             </a:r>
-            <a:endParaRPr lang="zh-CN" altLang="en-US" noProof="1"/>
           </a:p>
           <a:p>
             <a:pPr lvl="2"/>
@@ -5164,7 +5267,6 @@
               <a:rPr lang="zh-CN" altLang="en-US" noProof="1"/>
               <a:t>第三级</a:t>
             </a:r>
-            <a:endParaRPr lang="zh-CN" altLang="en-US" noProof="1"/>
           </a:p>
           <a:p>
             <a:pPr lvl="3"/>
@@ -5172,7 +5274,6 @@
               <a:rPr lang="zh-CN" altLang="en-US" noProof="1"/>
               <a:t>第四级</a:t>
             </a:r>
-            <a:endParaRPr lang="zh-CN" altLang="en-US" noProof="1"/>
           </a:p>
           <a:p>
             <a:pPr lvl="4"/>
@@ -5180,7 +5281,6 @@
               <a:rPr lang="zh-CN" altLang="en-US" noProof="1"/>
               <a:t>第五级</a:t>
             </a:r>
-            <a:endParaRPr lang="zh-CN" altLang="en-US" noProof="1"/>
           </a:p>
         </p:txBody>
       </p:sp>
@@ -5237,7 +5337,6 @@
               <a:rPr lang="zh-CN" altLang="en-US" noProof="1"/>
               <a:t>单击此处编辑母版标题样式</a:t>
             </a:r>
-            <a:endParaRPr lang="zh-CN" altLang="en-US" noProof="1"/>
           </a:p>
         </p:txBody>
       </p:sp>
@@ -5303,7 +5402,6 @@
               <a:rPr lang="zh-CN" altLang="en-US" noProof="1"/>
               <a:t>单击此处编辑母版文本样式</a:t>
             </a:r>
-            <a:endParaRPr lang="zh-CN" altLang="en-US" noProof="1"/>
           </a:p>
         </p:txBody>
       </p:sp>
@@ -5360,7 +5458,6 @@
               <a:rPr lang="zh-CN" altLang="en-US" noProof="1"/>
               <a:t>单击此处编辑母版文本样式</a:t>
             </a:r>
-            <a:endParaRPr lang="zh-CN" altLang="en-US" noProof="1"/>
           </a:p>
           <a:p>
             <a:pPr lvl="1"/>
@@ -5368,7 +5465,6 @@
               <a:rPr lang="zh-CN" altLang="en-US" noProof="1"/>
               <a:t>第二级</a:t>
             </a:r>
-            <a:endParaRPr lang="zh-CN" altLang="en-US" noProof="1"/>
           </a:p>
           <a:p>
             <a:pPr lvl="2"/>
@@ -5376,7 +5472,6 @@
               <a:rPr lang="zh-CN" altLang="en-US" noProof="1"/>
               <a:t>第三级</a:t>
             </a:r>
-            <a:endParaRPr lang="zh-CN" altLang="en-US" noProof="1"/>
           </a:p>
           <a:p>
             <a:pPr lvl="3"/>
@@ -5384,7 +5479,6 @@
               <a:rPr lang="zh-CN" altLang="en-US" noProof="1"/>
               <a:t>第四级</a:t>
             </a:r>
-            <a:endParaRPr lang="zh-CN" altLang="en-US" noProof="1"/>
           </a:p>
           <a:p>
             <a:pPr lvl="4"/>
@@ -5392,7 +5486,6 @@
               <a:rPr lang="zh-CN" altLang="en-US" noProof="1"/>
               <a:t>第五级</a:t>
             </a:r>
-            <a:endParaRPr lang="zh-CN" altLang="en-US" noProof="1"/>
           </a:p>
         </p:txBody>
       </p:sp>
@@ -5458,7 +5551,6 @@
               <a:rPr lang="zh-CN" altLang="en-US" noProof="1"/>
               <a:t>单击此处编辑母版文本样式</a:t>
             </a:r>
-            <a:endParaRPr lang="zh-CN" altLang="en-US" noProof="1"/>
           </a:p>
         </p:txBody>
       </p:sp>
@@ -5515,7 +5607,6 @@
               <a:rPr lang="zh-CN" altLang="en-US" noProof="1"/>
               <a:t>单击此处编辑母版文本样式</a:t>
             </a:r>
-            <a:endParaRPr lang="zh-CN" altLang="en-US" noProof="1"/>
           </a:p>
           <a:p>
             <a:pPr lvl="1"/>
@@ -5523,7 +5614,6 @@
               <a:rPr lang="zh-CN" altLang="en-US" noProof="1"/>
               <a:t>第二级</a:t>
             </a:r>
-            <a:endParaRPr lang="zh-CN" altLang="en-US" noProof="1"/>
           </a:p>
           <a:p>
             <a:pPr lvl="2"/>
@@ -5531,7 +5621,6 @@
               <a:rPr lang="zh-CN" altLang="en-US" noProof="1"/>
               <a:t>第三级</a:t>
             </a:r>
-            <a:endParaRPr lang="zh-CN" altLang="en-US" noProof="1"/>
           </a:p>
           <a:p>
             <a:pPr lvl="3"/>
@@ -5539,7 +5628,6 @@
               <a:rPr lang="zh-CN" altLang="en-US" noProof="1"/>
               <a:t>第四级</a:t>
             </a:r>
-            <a:endParaRPr lang="zh-CN" altLang="en-US" noProof="1"/>
           </a:p>
           <a:p>
             <a:pPr lvl="4"/>
@@ -5547,7 +5635,6 @@
               <a:rPr lang="zh-CN" altLang="en-US" noProof="1"/>
               <a:t>第五级</a:t>
             </a:r>
-            <a:endParaRPr lang="zh-CN" altLang="en-US" noProof="1"/>
           </a:p>
         </p:txBody>
       </p:sp>
@@ -5595,7 +5682,6 @@
               <a:rPr lang="zh-CN" altLang="en-US" noProof="1"/>
               <a:t>单击此处编辑母版标题样式</a:t>
             </a:r>
-            <a:endParaRPr lang="zh-CN" altLang="en-US" noProof="1"/>
           </a:p>
         </p:txBody>
       </p:sp>
@@ -5677,7 +5763,6 @@
               <a:rPr lang="zh-CN" altLang="en-US" noProof="1"/>
               <a:t>单击此处编辑母版标题样式</a:t>
             </a:r>
-            <a:endParaRPr lang="zh-CN" altLang="en-US" noProof="1"/>
           </a:p>
         </p:txBody>
       </p:sp>
@@ -5734,7 +5819,6 @@
               <a:rPr lang="zh-CN" altLang="en-US" noProof="1"/>
               <a:t>单击此处编辑母版文本样式</a:t>
             </a:r>
-            <a:endParaRPr lang="zh-CN" altLang="en-US" noProof="1"/>
           </a:p>
           <a:p>
             <a:pPr lvl="1"/>
@@ -5742,7 +5826,6 @@
               <a:rPr lang="zh-CN" altLang="en-US" noProof="1"/>
               <a:t>第二级</a:t>
             </a:r>
-            <a:endParaRPr lang="zh-CN" altLang="en-US" noProof="1"/>
           </a:p>
           <a:p>
             <a:pPr lvl="2"/>
@@ -5750,7 +5833,6 @@
               <a:rPr lang="zh-CN" altLang="en-US" noProof="1"/>
               <a:t>第三级</a:t>
             </a:r>
-            <a:endParaRPr lang="zh-CN" altLang="en-US" noProof="1"/>
           </a:p>
           <a:p>
             <a:pPr lvl="3"/>
@@ -5758,7 +5840,6 @@
               <a:rPr lang="zh-CN" altLang="en-US" noProof="1"/>
               <a:t>第四级</a:t>
             </a:r>
-            <a:endParaRPr lang="zh-CN" altLang="en-US" noProof="1"/>
           </a:p>
           <a:p>
             <a:pPr lvl="4"/>
@@ -5766,7 +5847,6 @@
               <a:rPr lang="zh-CN" altLang="en-US" noProof="1"/>
               <a:t>第五级</a:t>
             </a:r>
-            <a:endParaRPr lang="zh-CN" altLang="en-US" noProof="1"/>
           </a:p>
         </p:txBody>
       </p:sp>
@@ -5832,7 +5912,6 @@
               <a:rPr lang="zh-CN" altLang="en-US" noProof="1"/>
               <a:t>单击此处编辑母版文本样式</a:t>
             </a:r>
-            <a:endParaRPr lang="zh-CN" altLang="en-US" noProof="1"/>
           </a:p>
         </p:txBody>
       </p:sp>
@@ -5889,7 +5968,6 @@
               <a:rPr lang="zh-CN" altLang="en-US" noProof="1"/>
               <a:t>单击此处编辑母版标题样式</a:t>
             </a:r>
-            <a:endParaRPr lang="zh-CN" altLang="en-US" noProof="1"/>
           </a:p>
         </p:txBody>
       </p:sp>
@@ -6045,7 +6123,6 @@
               <a:rPr lang="zh-CN" altLang="en-US" noProof="1"/>
               <a:t>单击此处编辑母版文本样式</a:t>
             </a:r>
-            <a:endParaRPr lang="zh-CN" altLang="en-US" noProof="1"/>
           </a:p>
         </p:txBody>
       </p:sp>
@@ -6074,7 +6151,14 @@
         <p:cNvGrpSpPr/>
         <p:nvPr/>
       </p:nvGrpSpPr>
-      <p:grpSpPr/>
+      <p:grpSpPr>
+        <a:xfrm>
+          <a:off x="0" y="0"/>
+          <a:ext cx="0" cy="0"/>
+          <a:chOff x="0" y="0"/>
+          <a:chExt cx="0" cy="0"/>
+        </a:xfrm>
+      </p:grpSpPr>
       <p:sp>
         <p:nvSpPr>
           <p:cNvPr id="1026" name="Rectangle 2"/>
@@ -6100,13 +6184,13 @@
         </p:spPr>
         <p:txBody>
           <a:bodyPr anchor="ctr" anchorCtr="0"/>
+          <a:lstStyle/>
           <a:p>
             <a:pPr lvl="0"/>
             <a:r>
               <a:rPr lang="zh-CN" altLang="en-US" dirty="0"/>
               <a:t>标题</a:t>
             </a:r>
-            <a:endParaRPr lang="zh-CN" altLang="en-US" dirty="0"/>
           </a:p>
         </p:txBody>
       </p:sp>
@@ -6135,13 +6219,13 @@
         </p:spPr>
         <p:txBody>
           <a:bodyPr/>
+          <a:lstStyle/>
           <a:p>
             <a:pPr lvl="0"/>
             <a:r>
               <a:rPr lang="zh-CN" altLang="en-US" dirty="0"/>
               <a:t>单击此处编辑母版文本样式</a:t>
             </a:r>
-            <a:endParaRPr lang="zh-CN" altLang="en-US" dirty="0"/>
           </a:p>
         </p:txBody>
       </p:sp>
@@ -6154,7 +6238,7 @@
           <p:nvPr userDrawn="1"/>
         </p:nvPicPr>
         <p:blipFill>
-          <a:blip r:embed="rId12"/>
+          <a:blip r:embed="rId13"/>
           <a:stretch>
             <a:fillRect/>
           </a:stretch>
@@ -6616,7 +6700,14 @@
         <p:cNvGrpSpPr/>
         <p:nvPr/>
       </p:nvGrpSpPr>
-      <p:grpSpPr/>
+      <p:grpSpPr>
+        <a:xfrm>
+          <a:off x="0" y="0"/>
+          <a:ext cx="0" cy="0"/>
+          <a:chOff x="0" y="0"/>
+          <a:chExt cx="0" cy="0"/>
+        </a:xfrm>
+      </p:grpSpPr>
       <p:sp>
         <p:nvSpPr>
           <p:cNvPr id="2050" name="Rectangle 2"/>
@@ -6642,13 +6733,13 @@
         </p:spPr>
         <p:txBody>
           <a:bodyPr anchor="ctr" anchorCtr="0"/>
+          <a:lstStyle/>
           <a:p>
             <a:pPr lvl="0"/>
             <a:r>
               <a:rPr lang="zh-CN" altLang="en-US" dirty="0"/>
               <a:t>标题</a:t>
             </a:r>
-            <a:endParaRPr lang="zh-CN" altLang="en-US" dirty="0"/>
           </a:p>
         </p:txBody>
       </p:sp>
@@ -6677,13 +6768,13 @@
         </p:spPr>
         <p:txBody>
           <a:bodyPr/>
+          <a:lstStyle/>
           <a:p>
             <a:pPr lvl="0"/>
             <a:r>
               <a:rPr lang="zh-CN" altLang="en-US" dirty="0"/>
               <a:t>单击此处编辑母版文本样式</a:t>
             </a:r>
-            <a:endParaRPr lang="zh-CN" altLang="en-US" dirty="0"/>
           </a:p>
         </p:txBody>
       </p:sp>
@@ -6696,7 +6787,7 @@
           <p:nvPr userDrawn="1"/>
         </p:nvPicPr>
         <p:blipFill>
-          <a:blip r:embed="rId12"/>
+          <a:blip r:embed="rId13"/>
           <a:stretch>
             <a:fillRect/>
           </a:stretch>
@@ -7150,7 +7241,14 @@
         <p:cNvGrpSpPr/>
         <p:nvPr/>
       </p:nvGrpSpPr>
-      <p:grpSpPr/>
+      <p:grpSpPr>
+        <a:xfrm>
+          <a:off x="0" y="0"/>
+          <a:ext cx="0" cy="0"/>
+          <a:chOff x="0" y="0"/>
+          <a:chExt cx="0" cy="0"/>
+        </a:xfrm>
+      </p:grpSpPr>
       <p:pic>
         <p:nvPicPr>
           <p:cNvPr id="5122" name="Picture 11" descr="C:\Users\Administrator\Desktop\timg (5).jpg"/>
@@ -7160,7 +7258,7 @@
           <p:nvPr/>
         </p:nvPicPr>
         <p:blipFill>
-          <a:blip r:embed="rId1"/>
+          <a:blip r:embed="rId3"/>
           <a:srcRect b="4988"/>
           <a:stretch>
             <a:fillRect/>
@@ -7504,22 +7602,6 @@
                 </a:rPr>
                 <a:t>的固定频率正弦信号发生器设计</a:t>
               </a:r>
-              <a:endParaRPr kumimoji="0" lang="zh-CN" altLang="zh-CN" sz="2800" b="1" i="0" u="none" strike="noStrike" kern="1200" cap="none" spc="0" normalizeH="0" baseline="0" noProof="0" dirty="0">
-                <a:ln>
-                  <a:noFill/>
-                </a:ln>
-                <a:solidFill>
-                  <a:srgbClr val="5B9BD5">
-                    <a:lumMod val="50000"/>
-                  </a:srgbClr>
-                </a:solidFill>
-                <a:effectLst/>
-                <a:uLnTx/>
-                <a:uFillTx/>
-                <a:latin typeface="微软雅黑" pitchFamily="34" charset="-122"/>
-                <a:ea typeface="微软雅黑" pitchFamily="34" charset="-122"/>
-                <a:cs typeface="+mn-cs"/>
-              </a:endParaRPr>
             </a:p>
           </p:txBody>
         </p:sp>
@@ -7737,13 +7819,6 @@
                 </a:rPr>
                 <a:t>主讲人：杨春玲</a:t>
               </a:r>
-              <a:endParaRPr lang="zh-CN" altLang="en-US" sz="2400" dirty="0">
-                <a:solidFill>
-                  <a:srgbClr val="1F4E79"/>
-                </a:solidFill>
-                <a:latin typeface="微软雅黑" pitchFamily="34" charset="-122"/>
-                <a:ea typeface="微软雅黑" pitchFamily="34" charset="-122"/>
-              </a:endParaRPr>
             </a:p>
           </p:txBody>
         </p:sp>
@@ -7901,7 +7976,14 @@
         <p:cNvGrpSpPr/>
         <p:nvPr/>
       </p:nvGrpSpPr>
-      <p:grpSpPr/>
+      <p:grpSpPr>
+        <a:xfrm>
+          <a:off x="0" y="0"/>
+          <a:ext cx="0" cy="0"/>
+          <a:chOff x="0" y="0"/>
+          <a:chExt cx="0" cy="0"/>
+        </a:xfrm>
+      </p:grpSpPr>
       <p:sp>
         <p:nvSpPr>
           <p:cNvPr id="21506" name="矩形 10"/>
@@ -8191,7 +8273,6 @@
               <a:rPr lang="zh-CN" altLang="en-US" sz="2200" dirty="0"/>
               <a:t>完成文件的创建。</a:t>
             </a:r>
-            <a:endParaRPr lang="zh-CN" altLang="en-US" sz="2200" dirty="0"/>
           </a:p>
         </p:txBody>
       </p:sp>
@@ -8501,7 +8582,7 @@
           <p:nvPr/>
         </p:nvPicPr>
         <p:blipFill>
-          <a:blip r:embed="rId1"/>
+          <a:blip r:embed="rId3"/>
           <a:stretch>
             <a:fillRect/>
           </a:stretch>
@@ -8525,7 +8606,7 @@
           <p:nvPr/>
         </p:nvPicPr>
         <p:blipFill>
-          <a:blip r:embed="rId2"/>
+          <a:blip r:embed="rId4"/>
           <a:stretch>
             <a:fillRect/>
           </a:stretch>
@@ -8549,7 +8630,7 @@
           <p:nvPr/>
         </p:nvPicPr>
         <p:blipFill>
-          <a:blip r:embed="rId3"/>
+          <a:blip r:embed="rId5"/>
           <a:stretch>
             <a:fillRect/>
           </a:stretch>
@@ -8569,13 +8650,6 @@
   <p:clrMapOvr>
     <a:masterClrMapping/>
   </p:clrMapOvr>
-  <p:timing>
-    <p:tnLst>
-      <p:par>
-        <p:cTn id="1" dur="indefinite" restart="never" nodeType="tmRoot"/>
-      </p:par>
-    </p:tnLst>
-  </p:timing>
 </p:sld>
 </file>
 
@@ -8588,7 +8662,14 @@
         <p:cNvGrpSpPr/>
         <p:nvPr/>
       </p:nvGrpSpPr>
-      <p:grpSpPr/>
+      <p:grpSpPr>
+        <a:xfrm>
+          <a:off x="0" y="0"/>
+          <a:ext cx="0" cy="0"/>
+          <a:chOff x="0" y="0"/>
+          <a:chExt cx="0" cy="0"/>
+        </a:xfrm>
+      </p:grpSpPr>
       <p:pic>
         <p:nvPicPr>
           <p:cNvPr id="4" name="Picture 3"/>
@@ -8598,7 +8679,7 @@
           <p:nvPr/>
         </p:nvPicPr>
         <p:blipFill>
-          <a:blip r:embed="rId1"/>
+          <a:blip r:embed="rId3"/>
           <a:stretch>
             <a:fillRect/>
           </a:stretch>
@@ -8858,7 +8939,6 @@
               <a:rPr lang="zh-CN" altLang="zh-CN" sz="2200" dirty="0"/>
               <a:t>）输入以下代码，生成地址发生器并例化ROM模块。注意，代码中顶层模块名和要和建立工程时所输入的一致，建立工程时所输入的顶层模块名默认和工程名一致，所以这里代码中顶层模块名应和工程名一致，本例子中都叫做“singen”</a:t>
             </a:r>
-            <a:endParaRPr lang="zh-CN" altLang="zh-CN" sz="2200" dirty="0"/>
           </a:p>
         </p:txBody>
       </p:sp>
@@ -9284,7 +9364,6 @@
               <a:rPr lang="en-US" altLang="zh-CN" sz="1800" dirty="0"/>
               <a:t>“singen”</a:t>
             </a:r>
-            <a:endParaRPr lang="en-US" altLang="zh-CN" sz="1800" dirty="0"/>
           </a:p>
         </p:txBody>
       </p:sp>
@@ -9423,7 +9502,6 @@
               <a:rPr lang="zh-CN" altLang="en-US" sz="1800" dirty="0"/>
               <a:t>中读取数值</a:t>
             </a:r>
-            <a:endParaRPr lang="zh-CN" altLang="en-US" sz="1800" dirty="0"/>
           </a:p>
         </p:txBody>
       </p:sp>
@@ -9568,7 +9646,14 @@
         <p:cNvGrpSpPr/>
         <p:nvPr/>
       </p:nvGrpSpPr>
-      <p:grpSpPr/>
+      <p:grpSpPr>
+        <a:xfrm>
+          <a:off x="0" y="0"/>
+          <a:ext cx="0" cy="0"/>
+          <a:chOff x="0" y="0"/>
+          <a:chExt cx="0" cy="0"/>
+        </a:xfrm>
+      </p:grpSpPr>
       <p:pic>
         <p:nvPicPr>
           <p:cNvPr id="3" name="Picture 2"/>
@@ -9578,7 +9663,7 @@
           <p:nvPr/>
         </p:nvPicPr>
         <p:blipFill>
-          <a:blip r:embed="rId1"/>
+          <a:blip r:embed="rId3"/>
           <a:stretch>
             <a:fillRect/>
           </a:stretch>
@@ -9874,7 +9959,6 @@
               <a:rPr lang="zh-CN" altLang="zh-CN" sz="2200" dirty="0"/>
               <a:t>利用IP核定制ROM。</a:t>
             </a:r>
-            <a:endParaRPr lang="zh-CN" altLang="zh-CN" sz="2200" dirty="0"/>
           </a:p>
         </p:txBody>
       </p:sp>
@@ -10443,10 +10527,6 @@
               </a:rPr>
               <a:t>ROM</a:t>
             </a:r>
-            <a:endParaRPr lang="en-US" altLang="zh-CN" sz="1800" dirty="0">
-              <a:latin typeface="微软雅黑" pitchFamily="34" charset="-122"/>
-              <a:ea typeface="微软雅黑" pitchFamily="34" charset="-122"/>
-            </a:endParaRPr>
           </a:p>
         </p:txBody>
       </p:sp>
@@ -10459,7 +10539,7 @@
           <p:nvPr/>
         </p:nvPicPr>
         <p:blipFill>
-          <a:blip r:embed="rId2"/>
+          <a:blip r:embed="rId4"/>
           <a:stretch>
             <a:fillRect/>
           </a:stretch>
@@ -10569,7 +10649,14 @@
         <p:cNvGrpSpPr/>
         <p:nvPr/>
       </p:nvGrpSpPr>
-      <p:grpSpPr/>
+      <p:grpSpPr>
+        <a:xfrm>
+          <a:off x="0" y="0"/>
+          <a:ext cx="0" cy="0"/>
+          <a:chOff x="0" y="0"/>
+          <a:chExt cx="0" cy="0"/>
+        </a:xfrm>
+      </p:grpSpPr>
       <p:pic>
         <p:nvPicPr>
           <p:cNvPr id="2" name="Picture 1"/>
@@ -10579,7 +10666,7 @@
           <p:nvPr/>
         </p:nvPicPr>
         <p:blipFill>
-          <a:blip r:embed="rId1"/>
+          <a:blip r:embed="rId3"/>
           <a:stretch>
             <a:fillRect/>
           </a:stretch>
@@ -10877,7 +10964,6 @@
               <a:rPr lang="zh-CN" altLang="zh-CN" sz="2200" dirty="0"/>
               <a:t>。</a:t>
             </a:r>
-            <a:endParaRPr lang="zh-CN" altLang="zh-CN" sz="2200" dirty="0"/>
           </a:p>
         </p:txBody>
       </p:sp>
@@ -11425,10 +11511,6 @@
               </a:rPr>
               <a:t>设置名称</a:t>
             </a:r>
-            <a:endParaRPr lang="zh-CN" altLang="en-US" sz="1800" dirty="0">
-              <a:latin typeface="微软雅黑" pitchFamily="34" charset="-122"/>
-              <a:ea typeface="微软雅黑" pitchFamily="34" charset="-122"/>
-            </a:endParaRPr>
           </a:p>
         </p:txBody>
       </p:sp>
@@ -11562,10 +11644,6 @@
               </a:rPr>
               <a:t>选择存储器类型</a:t>
             </a:r>
-            <a:endParaRPr lang="zh-CN" altLang="en-US" sz="1800" dirty="0">
-              <a:latin typeface="微软雅黑" pitchFamily="34" charset="-122"/>
-              <a:ea typeface="微软雅黑" pitchFamily="34" charset="-122"/>
-            </a:endParaRPr>
           </a:p>
         </p:txBody>
       </p:sp>
@@ -11710,7 +11788,14 @@
         <p:cNvGrpSpPr/>
         <p:nvPr/>
       </p:nvGrpSpPr>
-      <p:grpSpPr/>
+      <p:grpSpPr>
+        <a:xfrm>
+          <a:off x="0" y="0"/>
+          <a:ext cx="0" cy="0"/>
+          <a:chOff x="0" y="0"/>
+          <a:chExt cx="0" cy="0"/>
+        </a:xfrm>
+      </p:grpSpPr>
       <p:sp>
         <p:nvSpPr>
           <p:cNvPr id="41986" name="矩形 10"/>
@@ -12530,10 +12615,6 @@
               </a:rPr>
               <a:t>容量，与前面的相对应</a:t>
             </a:r>
-            <a:endParaRPr lang="zh-CN" altLang="en-US" sz="1800" dirty="0">
-              <a:latin typeface="微软雅黑" pitchFamily="34" charset="-122"/>
-              <a:ea typeface="微软雅黑" pitchFamily="34" charset="-122"/>
-            </a:endParaRPr>
           </a:p>
         </p:txBody>
       </p:sp>
@@ -12546,7 +12627,7 @@
           <p:nvPr/>
         </p:nvPicPr>
         <p:blipFill>
-          <a:blip r:embed="rId1"/>
+          <a:blip r:embed="rId3"/>
           <a:stretch>
             <a:fillRect/>
           </a:stretch>
@@ -12656,7 +12737,14 @@
         <p:cNvGrpSpPr/>
         <p:nvPr/>
       </p:nvGrpSpPr>
-      <p:grpSpPr/>
+      <p:grpSpPr>
+        <a:xfrm>
+          <a:off x="0" y="0"/>
+          <a:ext cx="0" cy="0"/>
+          <a:chOff x="0" y="0"/>
+          <a:chExt cx="0" cy="0"/>
+        </a:xfrm>
+      </p:grpSpPr>
       <p:sp>
         <p:nvSpPr>
           <p:cNvPr id="46082" name="矩形 10"/>
@@ -12946,7 +13034,6 @@
               <a:rPr lang="zh-CN" altLang="en-US" sz="2200" dirty="0"/>
               <a:t>。</a:t>
             </a:r>
-            <a:endParaRPr lang="zh-CN" altLang="en-US" sz="2200" dirty="0"/>
           </a:p>
         </p:txBody>
       </p:sp>
@@ -13522,10 +13609,6 @@
               </a:rPr>
               <a:t>中</a:t>
             </a:r>
-            <a:endParaRPr lang="zh-CN" altLang="en-US" sz="1800" dirty="0">
-              <a:latin typeface="微软雅黑" pitchFamily="34" charset="-122"/>
-              <a:ea typeface="微软雅黑" pitchFamily="34" charset="-122"/>
-            </a:endParaRPr>
           </a:p>
         </p:txBody>
       </p:sp>
@@ -13538,7 +13621,7 @@
           <p:nvPr/>
         </p:nvPicPr>
         <p:blipFill>
-          <a:blip r:embed="rId1"/>
+          <a:blip r:embed="rId3"/>
           <a:stretch>
             <a:fillRect/>
           </a:stretch>
@@ -13648,7 +13731,14 @@
         <p:cNvGrpSpPr/>
         <p:nvPr/>
       </p:nvGrpSpPr>
-      <p:grpSpPr/>
+      <p:grpSpPr>
+        <a:xfrm>
+          <a:off x="0" y="0"/>
+          <a:ext cx="0" cy="0"/>
+          <a:chOff x="0" y="0"/>
+          <a:chExt cx="0" cy="0"/>
+        </a:xfrm>
+      </p:grpSpPr>
       <p:pic>
         <p:nvPicPr>
           <p:cNvPr id="2" name="Picture 1"/>
@@ -13658,7 +13748,7 @@
           <p:nvPr/>
         </p:nvPicPr>
         <p:blipFill>
-          <a:blip r:embed="rId1"/>
+          <a:blip r:embed="rId3"/>
           <a:stretch>
             <a:fillRect/>
           </a:stretch>
@@ -13938,7 +14028,6 @@
               <a:rPr lang="zh-CN" altLang="zh-CN" sz="2200" dirty="0"/>
               <a:t>。</a:t>
             </a:r>
-            <a:endParaRPr lang="zh-CN" altLang="zh-CN" sz="2200" dirty="0"/>
           </a:p>
         </p:txBody>
       </p:sp>
@@ -14517,7 +14606,14 @@
         <p:cNvGrpSpPr/>
         <p:nvPr/>
       </p:nvGrpSpPr>
-      <p:grpSpPr/>
+      <p:grpSpPr>
+        <a:xfrm>
+          <a:off x="0" y="0"/>
+          <a:ext cx="0" cy="0"/>
+          <a:chOff x="0" y="0"/>
+          <a:chExt cx="0" cy="0"/>
+        </a:xfrm>
+      </p:grpSpPr>
       <p:sp>
         <p:nvSpPr>
           <p:cNvPr id="54274" name="Rectangle 8"/>
@@ -15162,7 +15258,44 @@
         <p:cNvGrpSpPr/>
         <p:nvPr/>
       </p:nvGrpSpPr>
-      <p:grpSpPr/>
+      <p:grpSpPr>
+        <a:xfrm>
+          <a:off x="0" y="0"/>
+          <a:ext cx="0" cy="0"/>
+          <a:chOff x="0" y="0"/>
+          <a:chExt cx="0" cy="0"/>
+        </a:xfrm>
+      </p:grpSpPr>
+      <p:pic>
+        <p:nvPicPr>
+          <p:cNvPr id="2" name="图片 1">
+            <a:extLst>
+              <a:ext uri="{FF2B5EF4-FFF2-40B4-BE49-F238E27FC236}">
+                <a16:creationId xmlns:a16="http://schemas.microsoft.com/office/drawing/2014/main" id="{7B6ACAAD-97F7-44FD-8ACA-99C01000766F}"/>
+              </a:ext>
+            </a:extLst>
+          </p:cNvPr>
+          <p:cNvPicPr>
+            <a:picLocks noChangeAspect="1"/>
+          </p:cNvPicPr>
+          <p:nvPr/>
+        </p:nvPicPr>
+        <p:blipFill>
+          <a:blip r:embed="rId3"/>
+          <a:stretch>
+            <a:fillRect/>
+          </a:stretch>
+        </p:blipFill>
+        <p:spPr>
+          <a:xfrm>
+            <a:off x="1115616" y="1933763"/>
+            <a:ext cx="2448272" cy="3159061"/>
+          </a:xfrm>
+          <a:prstGeom prst="rect">
+            <a:avLst/>
+          </a:prstGeom>
+        </p:spPr>
+      </p:pic>
       <p:sp>
         <p:nvSpPr>
           <p:cNvPr id="7170" name="矩形 6"/>
@@ -15826,7 +15959,7 @@
         <p:spPr>
           <a:xfrm>
             <a:off x="642938" y="717550"/>
-            <a:ext cx="5008562" cy="1108075"/>
+            <a:ext cx="5008562" cy="1107996"/>
           </a:xfrm>
           <a:prstGeom prst="rect">
             <a:avLst/>
@@ -15954,7 +16087,7 @@
               <a:rPr lang="en-US" altLang="zh-CN" sz="2200" dirty="0">
                 <a:latin typeface="Times New Roman" panose="02020603050405020304" pitchFamily="18" charset="0"/>
               </a:rPr>
-              <a:t>Altera</a:t>
+              <a:t>Xilinx Design Tools</a:t>
             </a:r>
             <a:r>
               <a:rPr lang="zh-CN" altLang="zh-CN" sz="2200" dirty="0">
@@ -15963,10 +16096,10 @@
               <a:t>目录，选择</a:t>
             </a:r>
             <a:r>
-              <a:rPr lang="en-US" altLang="zh-CN" sz="2200" dirty="0">
+              <a:rPr lang="en-US" altLang="zh-CN" sz="2200" dirty="0" err="1">
                 <a:latin typeface="Times New Roman" panose="02020603050405020304" pitchFamily="18" charset="0"/>
               </a:rPr>
-              <a:t>Quartus II</a:t>
+              <a:t>Vivado</a:t>
             </a:r>
             <a:r>
               <a:rPr lang="zh-CN" altLang="zh-CN" sz="2200" dirty="0">
@@ -15978,40 +16111,6 @@
           </a:p>
         </p:txBody>
       </p:sp>
-      <p:pic>
-        <p:nvPicPr>
-          <p:cNvPr id="7176" name="图片 9"/>
-          <p:cNvPicPr>
-            <a:picLocks noChangeAspect="1"/>
-          </p:cNvPicPr>
-          <p:nvPr/>
-        </p:nvPicPr>
-        <p:blipFill>
-          <a:blip r:embed="rId1"/>
-          <a:stretch>
-            <a:fillRect/>
-          </a:stretch>
-        </p:blipFill>
-        <p:spPr>
-          <a:xfrm>
-            <a:off x="900113" y="2047875"/>
-            <a:ext cx="2808287" cy="3025775"/>
-          </a:xfrm>
-          <a:prstGeom prst="rect">
-            <a:avLst/>
-          </a:prstGeom>
-          <a:noFill/>
-          <a:ln w="12700" cap="flat" cmpd="sng">
-            <a:solidFill>
-              <a:schemeClr val="tx1"/>
-            </a:solidFill>
-            <a:prstDash val="solid"/>
-            <a:miter/>
-            <a:headEnd type="none" w="med" len="med"/>
-            <a:tailEnd type="none" w="med" len="med"/>
-          </a:ln>
-        </p:spPr>
-      </p:pic>
       <p:sp>
         <p:nvSpPr>
           <p:cNvPr id="7177" name="对话气泡: 圆角矩形 5"/>
@@ -16020,13 +16119,13 @@
         </p:nvSpPr>
         <p:spPr>
           <a:xfrm>
-            <a:off x="4235450" y="2638425"/>
+            <a:off x="3635896" y="4049713"/>
             <a:ext cx="1439863" cy="720725"/>
           </a:xfrm>
           <a:prstGeom prst="wedgeRoundRectCallout">
             <a:avLst>
-              <a:gd name="adj1" fmla="val -99495"/>
-              <a:gd name="adj2" fmla="val 56880"/>
+              <a:gd name="adj1" fmla="val -145979"/>
+              <a:gd name="adj2" fmla="val 68652"/>
               <a:gd name="adj3" fmla="val 16667"/>
             </a:avLst>
           </a:prstGeom>
@@ -16146,14 +16245,14 @@
               <a:t>运行</a:t>
             </a:r>
             <a:r>
-              <a:rPr lang="en-US" altLang="zh-CN" sz="1800" dirty="0">
+              <a:rPr lang="en-US" altLang="zh-CN" sz="1800" dirty="0" err="1">
                 <a:solidFill>
                   <a:srgbClr val="C00000"/>
                 </a:solidFill>
                 <a:latin typeface="微软雅黑" pitchFamily="34" charset="-122"/>
                 <a:ea typeface="微软雅黑" pitchFamily="34" charset="-122"/>
               </a:rPr>
-              <a:t>Quartus II</a:t>
+              <a:t>Vivado</a:t>
             </a:r>
             <a:endParaRPr lang="zh-CN" altLang="en-US" sz="1800" dirty="0">
               <a:solidFill>
@@ -16258,7 +16357,14 @@
         <p:cNvGrpSpPr/>
         <p:nvPr/>
       </p:nvGrpSpPr>
-      <p:grpSpPr/>
+      <p:grpSpPr>
+        <a:xfrm>
+          <a:off x="0" y="0"/>
+          <a:ext cx="0" cy="0"/>
+          <a:chOff x="0" y="0"/>
+          <a:chExt cx="0" cy="0"/>
+        </a:xfrm>
+      </p:grpSpPr>
       <p:sp>
         <p:nvSpPr>
           <p:cNvPr id="9218" name="矩形 10"/>
@@ -16947,7 +17053,7 @@
           <p:nvPr/>
         </p:nvPicPr>
         <p:blipFill>
-          <a:blip r:embed="rId1"/>
+          <a:blip r:embed="rId3"/>
           <a:stretch>
             <a:fillRect/>
           </a:stretch>
@@ -17191,7 +17297,14 @@
         <p:cNvGrpSpPr/>
         <p:nvPr/>
       </p:nvGrpSpPr>
-      <p:grpSpPr/>
+      <p:grpSpPr>
+        <a:xfrm>
+          <a:off x="0" y="0"/>
+          <a:ext cx="0" cy="0"/>
+          <a:chOff x="0" y="0"/>
+          <a:chExt cx="0" cy="0"/>
+        </a:xfrm>
+      </p:grpSpPr>
       <p:pic>
         <p:nvPicPr>
           <p:cNvPr id="2" name="Picture 1"/>
@@ -17201,7 +17314,7 @@
           <p:nvPr/>
         </p:nvPicPr>
         <p:blipFill>
-          <a:blip r:embed="rId1"/>
+          <a:blip r:embed="rId3"/>
           <a:stretch>
             <a:fillRect/>
           </a:stretch>
@@ -17461,7 +17574,6 @@
               <a:rPr lang="zh-CN" altLang="zh-CN" sz="2200" dirty="0"/>
               <a:t>）新建工程向导中，首先为Introduction，提示接下来有5步：工程名和目录选择，添加工程文件和库，目标器件选择，EDA辅助设计工具选择。单击【下一步】。</a:t>
             </a:r>
-            <a:endParaRPr lang="zh-CN" altLang="zh-CN" sz="2200" dirty="0"/>
           </a:p>
         </p:txBody>
       </p:sp>
@@ -18014,7 +18126,6 @@
               <a:rPr lang="zh-CN" altLang="en-US" sz="1800" dirty="0"/>
               <a:t>进入下一步</a:t>
             </a:r>
-            <a:endParaRPr lang="zh-CN" altLang="en-US" sz="1800" dirty="0"/>
           </a:p>
         </p:txBody>
       </p:sp>
@@ -18113,7 +18224,14 @@
         <p:cNvGrpSpPr/>
         <p:nvPr/>
       </p:nvGrpSpPr>
-      <p:grpSpPr/>
+      <p:grpSpPr>
+        <a:xfrm>
+          <a:off x="0" y="0"/>
+          <a:ext cx="0" cy="0"/>
+          <a:chOff x="0" y="0"/>
+          <a:chExt cx="0" cy="0"/>
+        </a:xfrm>
+      </p:grpSpPr>
       <p:pic>
         <p:nvPicPr>
           <p:cNvPr id="2" name="Picture 1"/>
@@ -18123,7 +18241,7 @@
           <p:nvPr/>
         </p:nvPicPr>
         <p:blipFill>
-          <a:blip r:embed="rId1"/>
+          <a:blip r:embed="rId3"/>
           <a:stretch>
             <a:fillRect/>
           </a:stretch>
@@ -18395,7 +18513,6 @@
               <a:rPr lang="zh-CN" altLang="zh-CN" sz="2200" dirty="0"/>
               <a:t>。完成设置后点击【下一步】。</a:t>
             </a:r>
-            <a:endParaRPr lang="zh-CN" altLang="zh-CN" sz="2200" dirty="0"/>
           </a:p>
         </p:txBody>
       </p:sp>
@@ -18820,10 +18937,6 @@
               </a:rPr>
               <a:t>工程名</a:t>
             </a:r>
-            <a:endParaRPr lang="zh-CN" altLang="en-US" sz="1800" dirty="0">
-              <a:latin typeface="微软雅黑" pitchFamily="34" charset="-122"/>
-              <a:ea typeface="微软雅黑" pitchFamily="34" charset="-122"/>
-            </a:endParaRPr>
           </a:p>
         </p:txBody>
       </p:sp>
@@ -18957,10 +19070,6 @@
               </a:rPr>
               <a:t>工程目录</a:t>
             </a:r>
-            <a:endParaRPr lang="zh-CN" altLang="en-US" sz="1800" dirty="0">
-              <a:latin typeface="微软雅黑" pitchFamily="34" charset="-122"/>
-              <a:ea typeface="微软雅黑" pitchFamily="34" charset="-122"/>
-            </a:endParaRPr>
           </a:p>
         </p:txBody>
       </p:sp>
@@ -19105,7 +19214,14 @@
         <p:cNvGrpSpPr/>
         <p:nvPr/>
       </p:nvGrpSpPr>
-      <p:grpSpPr/>
+      <p:grpSpPr>
+        <a:xfrm>
+          <a:off x="0" y="0"/>
+          <a:ext cx="0" cy="0"/>
+          <a:chOff x="0" y="0"/>
+          <a:chExt cx="0" cy="0"/>
+        </a:xfrm>
+      </p:grpSpPr>
       <p:pic>
         <p:nvPicPr>
           <p:cNvPr id="2" name="Picture 1"/>
@@ -19115,7 +19231,7 @@
           <p:nvPr/>
         </p:nvPicPr>
         <p:blipFill>
-          <a:blip r:embed="rId1"/>
+          <a:blip r:embed="rId3"/>
           <a:stretch>
             <a:fillRect/>
           </a:stretch>
@@ -19396,7 +19512,6 @@
               <a:rPr lang="zh-CN" altLang="zh-CN" sz="2200" dirty="0"/>
               <a:t>单击【下一步】。</a:t>
             </a:r>
-            <a:endParaRPr lang="zh-CN" altLang="zh-CN" sz="2200" dirty="0"/>
           </a:p>
         </p:txBody>
       </p:sp>
@@ -19843,12 +19958,12 @@
         <p:spPr>
           <a:xfrm>
             <a:off x="275590" y="2212975"/>
-            <a:ext cx="1627505" cy="664845"/>
+            <a:ext cx="1704122" cy="664845"/>
           </a:xfrm>
           <a:prstGeom prst="wedgeRoundRectCallout">
             <a:avLst>
-              <a:gd name="adj1" fmla="val 141051"/>
-              <a:gd name="adj2" fmla="val -41796"/>
+              <a:gd name="adj1" fmla="val 136072"/>
+              <a:gd name="adj2" fmla="val -42505"/>
               <a:gd name="adj3" fmla="val 16667"/>
             </a:avLst>
           </a:prstGeom>
@@ -19961,7 +20076,6 @@
               <a:rPr lang="zh-CN" altLang="en-US" sz="1800" dirty="0"/>
               <a:t>选择是否添加已有定义模块</a:t>
             </a:r>
-            <a:endParaRPr lang="zh-CN" altLang="en-US" sz="1800" dirty="0"/>
           </a:p>
         </p:txBody>
       </p:sp>
@@ -20060,7 +20174,14 @@
         <p:cNvGrpSpPr/>
         <p:nvPr/>
       </p:nvGrpSpPr>
-      <p:grpSpPr/>
+      <p:grpSpPr>
+        <a:xfrm>
+          <a:off x="0" y="0"/>
+          <a:ext cx="0" cy="0"/>
+          <a:chOff x="0" y="0"/>
+          <a:chExt cx="0" cy="0"/>
+        </a:xfrm>
+      </p:grpSpPr>
       <p:pic>
         <p:nvPicPr>
           <p:cNvPr id="2" name="Picture 1"/>
@@ -20070,7 +20191,7 @@
           <p:nvPr/>
         </p:nvPicPr>
         <p:blipFill>
-          <a:blip r:embed="rId1"/>
+          <a:blip r:embed="rId3"/>
           <a:stretch>
             <a:fillRect/>
           </a:stretch>
@@ -20330,7 +20451,6 @@
               <a:rPr lang="zh-CN" altLang="zh-CN" sz="2200" dirty="0"/>
               <a:t>）选择器件。同开发板上芯片一致：xc7a35tcsg324-1。</a:t>
             </a:r>
-            <a:endParaRPr lang="zh-CN" altLang="zh-CN" sz="2200" dirty="0"/>
           </a:p>
           <a:p>
             <a:pPr marL="0" lvl="0" indent="0">
@@ -20340,7 +20460,6 @@
               <a:rPr lang="zh-CN" altLang="zh-CN" sz="2200" dirty="0"/>
               <a:t>单击【下一步】。</a:t>
             </a:r>
-            <a:endParaRPr lang="zh-CN" altLang="zh-CN" sz="2200" dirty="0"/>
           </a:p>
         </p:txBody>
       </p:sp>
@@ -20888,10 +21007,6 @@
               </a:rPr>
               <a:t>搜索器件型号</a:t>
             </a:r>
-            <a:endParaRPr lang="zh-CN" sz="1800" dirty="0">
-              <a:latin typeface="微软雅黑" pitchFamily="34" charset="-122"/>
-              <a:ea typeface="宋体" charset="0"/>
-            </a:endParaRPr>
           </a:p>
         </p:txBody>
       </p:sp>
@@ -21034,11 +21149,6 @@
               </a:rPr>
               <a:t>xc7a35tcsg324-1</a:t>
             </a:r>
-            <a:endParaRPr lang="en-US" altLang="zh-CN" sz="1800" dirty="0">
-              <a:latin typeface="微软雅黑" pitchFamily="34" charset="-122"/>
-              <a:ea typeface="微软雅黑" pitchFamily="34" charset="-122"/>
-              <a:sym typeface="+mn-ea"/>
-            </a:endParaRPr>
           </a:p>
         </p:txBody>
       </p:sp>
@@ -21183,7 +21293,14 @@
         <p:cNvGrpSpPr/>
         <p:nvPr/>
       </p:nvGrpSpPr>
-      <p:grpSpPr/>
+      <p:grpSpPr>
+        <a:xfrm>
+          <a:off x="0" y="0"/>
+          <a:ext cx="0" cy="0"/>
+          <a:chOff x="0" y="0"/>
+          <a:chExt cx="0" cy="0"/>
+        </a:xfrm>
+      </p:grpSpPr>
       <p:pic>
         <p:nvPicPr>
           <p:cNvPr id="3" name="Picture 2"/>
@@ -21193,7 +21310,7 @@
           <p:nvPr/>
         </p:nvPicPr>
         <p:blipFill>
-          <a:blip r:embed="rId1"/>
+          <a:blip r:embed="rId3"/>
           <a:stretch>
             <a:fillRect/>
           </a:stretch>
@@ -21453,7 +21570,6 @@
               <a:rPr lang="zh-CN" altLang="zh-CN" sz="2200" dirty="0"/>
               <a:t>）最后一步中给出了Summary，总结了之前向导中设置的各种信息。单击【Finish】完成新建项目配置。</a:t>
             </a:r>
-            <a:endParaRPr lang="zh-CN" altLang="zh-CN" sz="2200" dirty="0"/>
           </a:p>
         </p:txBody>
       </p:sp>
@@ -21869,11 +21985,6 @@
               </a:rPr>
               <a:t>单击【Finish】完成新建项目配置。</a:t>
             </a:r>
-            <a:endParaRPr lang="zh-CN" altLang="zh-CN" sz="1800" dirty="0">
-              <a:solidFill>
-                <a:srgbClr val="C00000"/>
-              </a:solidFill>
-            </a:endParaRPr>
           </a:p>
         </p:txBody>
       </p:sp>
@@ -21980,7 +22091,14 @@
         <p:cNvGrpSpPr/>
         <p:nvPr/>
       </p:nvGrpSpPr>
-      <p:grpSpPr/>
+      <p:grpSpPr>
+        <a:xfrm>
+          <a:off x="0" y="0"/>
+          <a:ext cx="0" cy="0"/>
+          <a:chOff x="0" y="0"/>
+          <a:chExt cx="0" cy="0"/>
+        </a:xfrm>
+      </p:grpSpPr>
       <p:sp>
         <p:nvSpPr>
           <p:cNvPr id="21506" name="矩形 10"/>
@@ -22560,7 +22678,7 @@
           <p:nvPr/>
         </p:nvPicPr>
         <p:blipFill>
-          <a:blip r:embed="rId1"/>
+          <a:blip r:embed="rId3"/>
           <a:stretch>
             <a:fillRect/>
           </a:stretch>
@@ -22584,7 +22702,7 @@
           <p:nvPr/>
         </p:nvPicPr>
         <p:blipFill>
-          <a:blip r:embed="rId2"/>
+          <a:blip r:embed="rId4"/>
           <a:stretch>
             <a:fillRect/>
           </a:stretch>
@@ -22604,13 +22722,6 @@
   <p:clrMapOvr>
     <a:masterClrMapping/>
   </p:clrMapOvr>
-  <p:timing>
-    <p:tnLst>
-      <p:par>
-        <p:cTn id="1" dur="indefinite" restart="never" nodeType="tmRoot"/>
-      </p:par>
-    </p:tnLst>
-  </p:timing>
 </p:sld>
 </file>
 
@@ -24568,6 +24679,8 @@
       </a:bgFillStyleLst>
     </a:fmtScheme>
   </a:themeElements>
+  <a:objectDefaults/>
+  <a:extraClrSchemeLst/>
   <a:extLst>
     <a:ext uri="{05A4C25C-085E-4340-85A3-A5531E510DB2}">
       <thm15:themeFamily xmlns:thm15="http://schemas.microsoft.com/office/thememl/2012/main" name="Office Theme" id="{62F939B6-93AF-4DB8-9C6B-D6C7DFDC589F}" vid="{4A3C46E8-61CC-4603-A589-7422A47A8E4A}"/>
@@ -24854,6 +24967,8 @@
       </a:bgFillStyleLst>
     </a:fmtScheme>
   </a:themeElements>
+  <a:objectDefaults/>
+  <a:extraClrSchemeLst/>
   <a:extLst>
     <a:ext uri="{05A4C25C-085E-4340-85A3-A5531E510DB2}">
       <thm15:themeFamily xmlns:thm15="http://schemas.microsoft.com/office/thememl/2012/main" name="Office Theme" id="{62F939B6-93AF-4DB8-9C6B-D6C7DFDC589F}" vid="{4A3C46E8-61CC-4603-A589-7422A47A8E4A}"/>
